--- a/docs/deployment_guide/images/starwind_qs_architecture_diagram.pptx
+++ b/docs/deployment_guide/images/starwind_qs_architecture_diagram.pptx
@@ -238,7 +238,7 @@
           <a:p>
             <a:fld id="{49A7721D-1176-A640-AC48-B82F78C92D56}" type="datetimeFigureOut">
               <a:rPr lang="en-US" smtClean="0"/>
-              <a:t>1/24/2022</a:t>
+              <a:t>2/7/2022</a:t>
             </a:fld>
             <a:endParaRPr lang="en-US" dirty="0"/>
           </a:p>
@@ -415,7 +415,7 @@
           <a:p>
             <a:fld id="{C884A089-FB25-6D46-9D21-F0F04A18BCA8}" type="datetimeFigureOut">
               <a:rPr lang="en-US" smtClean="0"/>
-              <a:t>1/24/2022</a:t>
+              <a:t>2/7/2022</a:t>
             </a:fld>
             <a:endParaRPr lang="en-US" dirty="0"/>
           </a:p>
@@ -1114,7 +1114,7 @@
         <p:spPr>
           <a:xfrm>
             <a:off x="888427" y="1298328"/>
-            <a:ext cx="2474928" cy="678361"/>
+            <a:ext cx="2474928" cy="1444872"/>
           </a:xfrm>
           <a:prstGeom prst="rect">
             <a:avLst/>
@@ -1249,8 +1249,8 @@
         </p:nvSpPr>
         <p:spPr>
           <a:xfrm>
-            <a:off x="892386" y="2090149"/>
-            <a:ext cx="2470969" cy="3940513"/>
+            <a:off x="892386" y="2819400"/>
+            <a:ext cx="2470969" cy="3211262"/>
           </a:xfrm>
           <a:prstGeom prst="rect">
             <a:avLst/>
@@ -1573,7 +1573,7 @@
         </p:blipFill>
         <p:spPr>
           <a:xfrm>
-            <a:off x="894110" y="2099195"/>
+            <a:off x="894110" y="2849880"/>
             <a:ext cx="274320" cy="274320"/>
           </a:xfrm>
           <a:prstGeom prst="rect">
@@ -1595,7 +1595,7 @@
         </p:nvSpPr>
         <p:spPr>
           <a:xfrm>
-            <a:off x="908988" y="4168951"/>
+            <a:off x="908988" y="4503649"/>
             <a:ext cx="1124943" cy="430887"/>
           </a:xfrm>
           <a:prstGeom prst="rect">
@@ -1636,7 +1636,7 @@
         </p:nvSpPr>
         <p:spPr bwMode="auto">
           <a:xfrm>
-            <a:off x="1445177" y="3047197"/>
+            <a:off x="1445177" y="3607713"/>
             <a:ext cx="1342852" cy="430887"/>
           </a:xfrm>
           <a:prstGeom prst="rect">
@@ -1825,7 +1825,7 @@
         </p:blipFill>
         <p:spPr bwMode="auto">
           <a:xfrm>
-            <a:off x="1888003" y="2588410"/>
+            <a:off x="1888003" y="3148926"/>
             <a:ext cx="457200" cy="457200"/>
           </a:xfrm>
           <a:prstGeom prst="rect">
@@ -1872,7 +1872,7 @@
         </p:nvSpPr>
         <p:spPr bwMode="auto">
           <a:xfrm>
-            <a:off x="1847014" y="4170538"/>
+            <a:off x="1847014" y="4505236"/>
             <a:ext cx="1507158" cy="600164"/>
           </a:xfrm>
           <a:prstGeom prst="rect">
@@ -2076,7 +2076,7 @@
         </p:blipFill>
         <p:spPr bwMode="auto">
           <a:xfrm>
-            <a:off x="2371993" y="3711751"/>
+            <a:off x="2371993" y="4046449"/>
             <a:ext cx="457200" cy="457200"/>
           </a:xfrm>
           <a:prstGeom prst="rect">
@@ -2372,7 +2372,7 @@
         </p:blipFill>
         <p:spPr bwMode="auto">
           <a:xfrm>
-            <a:off x="1247049" y="3711751"/>
+            <a:off x="1247049" y="4046449"/>
             <a:ext cx="457200" cy="457200"/>
           </a:xfrm>
           <a:prstGeom prst="rect">
@@ -2418,7 +2418,7 @@
         <p:spPr>
           <a:xfrm>
             <a:off x="6632684" y="1298328"/>
-            <a:ext cx="2474928" cy="678361"/>
+            <a:ext cx="2474928" cy="1444872"/>
           </a:xfrm>
           <a:prstGeom prst="rect">
             <a:avLst/>
@@ -2486,8 +2486,8 @@
         </p:nvSpPr>
         <p:spPr>
           <a:xfrm>
-            <a:off x="6636643" y="2090149"/>
-            <a:ext cx="2470969" cy="3940513"/>
+            <a:off x="6636643" y="2819400"/>
+            <a:ext cx="2470969" cy="3211262"/>
           </a:xfrm>
           <a:prstGeom prst="rect">
             <a:avLst/>
@@ -2672,7 +2672,7 @@
         </p:blipFill>
         <p:spPr>
           <a:xfrm>
-            <a:off x="6638367" y="2099195"/>
+            <a:off x="6638367" y="2849880"/>
             <a:ext cx="274320" cy="274320"/>
           </a:xfrm>
           <a:prstGeom prst="rect">
@@ -2694,7 +2694,7 @@
         </p:nvSpPr>
         <p:spPr>
           <a:xfrm>
-            <a:off x="6638367" y="4168951"/>
+            <a:off x="6638367" y="4503649"/>
             <a:ext cx="1155530" cy="430887"/>
           </a:xfrm>
           <a:prstGeom prst="rect">
@@ -2735,7 +2735,7 @@
         </p:nvSpPr>
         <p:spPr bwMode="auto">
           <a:xfrm>
-            <a:off x="7156329" y="3047197"/>
+            <a:off x="7156329" y="3607713"/>
             <a:ext cx="1342852" cy="430887"/>
           </a:xfrm>
           <a:prstGeom prst="rect">
@@ -2924,7 +2924,7 @@
         </p:blipFill>
         <p:spPr bwMode="auto">
           <a:xfrm>
-            <a:off x="7599155" y="2588410"/>
+            <a:off x="7599155" y="3148926"/>
             <a:ext cx="457200" cy="457200"/>
           </a:xfrm>
           <a:prstGeom prst="rect">
@@ -2971,7 +2971,7 @@
         </p:nvSpPr>
         <p:spPr bwMode="auto">
           <a:xfrm>
-            <a:off x="7591271" y="4170538"/>
+            <a:off x="7591271" y="4505236"/>
             <a:ext cx="1507158" cy="600164"/>
           </a:xfrm>
           <a:prstGeom prst="rect">
@@ -3160,7 +3160,7 @@
         </p:blipFill>
         <p:spPr bwMode="auto">
           <a:xfrm>
-            <a:off x="8116250" y="3711751"/>
+            <a:off x="8116250" y="4046449"/>
             <a:ext cx="457200" cy="457200"/>
           </a:xfrm>
           <a:prstGeom prst="rect">
@@ -3456,7 +3456,7 @@
         </p:blipFill>
         <p:spPr bwMode="auto">
           <a:xfrm>
-            <a:off x="6991306" y="3711751"/>
+            <a:off x="6991306" y="4046449"/>
             <a:ext cx="457200" cy="457200"/>
           </a:xfrm>
           <a:prstGeom prst="rect">
@@ -3502,7 +3502,7 @@
         <p:spPr>
           <a:xfrm>
             <a:off x="3759695" y="1298328"/>
-            <a:ext cx="2474928" cy="678361"/>
+            <a:ext cx="2474928" cy="1444872"/>
           </a:xfrm>
           <a:prstGeom prst="rect">
             <a:avLst/>
@@ -3570,8 +3570,8 @@
         </p:nvSpPr>
         <p:spPr>
           <a:xfrm>
-            <a:off x="3763654" y="2090149"/>
-            <a:ext cx="2470969" cy="3940513"/>
+            <a:off x="3763654" y="2819400"/>
+            <a:ext cx="2470969" cy="3211262"/>
           </a:xfrm>
           <a:prstGeom prst="rect">
             <a:avLst/>
@@ -3756,7 +3756,7 @@
         </p:blipFill>
         <p:spPr>
           <a:xfrm>
-            <a:off x="3765378" y="2099195"/>
+            <a:off x="3765378" y="2849880"/>
             <a:ext cx="274320" cy="274320"/>
           </a:xfrm>
           <a:prstGeom prst="rect">
@@ -3778,7 +3778,7 @@
         </p:nvSpPr>
         <p:spPr>
           <a:xfrm>
-            <a:off x="3795805" y="4168951"/>
+            <a:off x="3795805" y="4503649"/>
             <a:ext cx="1085967" cy="430887"/>
           </a:xfrm>
           <a:prstGeom prst="rect">
@@ -3819,7 +3819,7 @@
         </p:nvSpPr>
         <p:spPr bwMode="auto">
           <a:xfrm>
-            <a:off x="4718282" y="4170538"/>
+            <a:off x="4718282" y="4505236"/>
             <a:ext cx="1507158" cy="600164"/>
           </a:xfrm>
           <a:prstGeom prst="rect">
@@ -4023,7 +4023,7 @@
         </p:blipFill>
         <p:spPr bwMode="auto">
           <a:xfrm>
-            <a:off x="5243261" y="3711751"/>
+            <a:off x="5243261" y="4046449"/>
             <a:ext cx="457200" cy="457200"/>
           </a:xfrm>
           <a:prstGeom prst="rect">
@@ -4083,7 +4083,7 @@
         </p:blipFill>
         <p:spPr bwMode="auto">
           <a:xfrm>
-            <a:off x="4118317" y="3711751"/>
+            <a:off x="4118317" y="4046449"/>
             <a:ext cx="457200" cy="457200"/>
           </a:xfrm>
           <a:prstGeom prst="rect">
@@ -4175,7 +4175,7 @@
         </p:nvCxnSpPr>
         <p:spPr>
           <a:xfrm>
-            <a:off x="2922970" y="3939419"/>
+            <a:off x="2922970" y="4274117"/>
             <a:ext cx="1117124" cy="0"/>
           </a:xfrm>
           <a:prstGeom prst="straightConnector1">
@@ -4220,7 +4220,7 @@
         </p:nvCxnSpPr>
         <p:spPr>
           <a:xfrm>
-            <a:off x="5789880" y="3936695"/>
+            <a:off x="5789880" y="4271393"/>
             <a:ext cx="1117124" cy="0"/>
           </a:xfrm>
           <a:prstGeom prst="straightConnector1">
@@ -4249,6 +4249,521 @@
           </a:fontRef>
         </p:style>
       </p:cxnSp>
+      <p:sp>
+        <p:nvSpPr>
+          <p:cNvPr id="48" name="Rectangle 47">
+            <a:extLst>
+              <a:ext uri="{FF2B5EF4-FFF2-40B4-BE49-F238E27FC236}">
+                <a16:creationId xmlns:a16="http://schemas.microsoft.com/office/drawing/2014/main" id="{0C7466E3-64CA-4E84-B053-4B6DCD9415BE}"/>
+              </a:ext>
+            </a:extLst>
+          </p:cNvPr>
+          <p:cNvSpPr/>
+          <p:nvPr/>
+        </p:nvSpPr>
+        <p:spPr>
+          <a:xfrm>
+            <a:off x="1763295" y="1600200"/>
+            <a:ext cx="3657600" cy="1143000"/>
+          </a:xfrm>
+          <a:prstGeom prst="rect">
+            <a:avLst/>
+          </a:prstGeom>
+          <a:noFill/>
+          <a:ln w="12700">
+            <a:solidFill>
+              <a:srgbClr val="D86613"/>
+            </a:solidFill>
+            <a:prstDash val="dash"/>
+          </a:ln>
+        </p:spPr>
+        <p:style>
+          <a:lnRef idx="2">
+            <a:schemeClr val="accent1">
+              <a:shade val="50000"/>
+            </a:schemeClr>
+          </a:lnRef>
+          <a:fillRef idx="1">
+            <a:schemeClr val="accent1"/>
+          </a:fillRef>
+          <a:effectRef idx="0">
+            <a:schemeClr val="accent1"/>
+          </a:effectRef>
+          <a:fontRef idx="minor">
+            <a:schemeClr val="lt1"/>
+          </a:fontRef>
+        </p:style>
+        <p:txBody>
+          <a:bodyPr rot="0" spcFirstLastPara="0" vertOverflow="overflow" horzOverflow="overflow" vert="horz" wrap="square" lIns="91440" tIns="91440" rIns="91440" bIns="45720" numCol="1" spcCol="0" rtlCol="0" fromWordArt="0" anchor="t" anchorCtr="0" forceAA="0" compatLnSpc="1">
+            <a:prstTxWarp prst="textNoShape">
+              <a:avLst/>
+            </a:prstTxWarp>
+            <a:noAutofit/>
+          </a:bodyPr>
+          <a:lstStyle/>
+          <a:p>
+            <a:pPr algn="ctr"/>
+            <a:endParaRPr lang="en-US" sz="1000" dirty="0">
+              <a:solidFill>
+                <a:srgbClr val="D86613"/>
+              </a:solidFill>
+              <a:latin typeface="Amazon Ember" panose="020B0603020204020204" pitchFamily="34" charset="0"/>
+              <a:ea typeface="Amazon Ember" panose="020B0603020204020204" pitchFamily="34" charset="0"/>
+              <a:cs typeface="Amazon Ember" panose="020B0603020204020204" pitchFamily="34" charset="0"/>
+            </a:endParaRPr>
+          </a:p>
+          <a:p>
+            <a:pPr algn="ctr"/>
+            <a:endParaRPr lang="en-US" sz="1000" dirty="0">
+              <a:solidFill>
+                <a:srgbClr val="D86613"/>
+              </a:solidFill>
+              <a:latin typeface="Amazon Ember" panose="020B0603020204020204" pitchFamily="34" charset="0"/>
+              <a:ea typeface="Amazon Ember" panose="020B0603020204020204" pitchFamily="34" charset="0"/>
+              <a:cs typeface="Amazon Ember" panose="020B0603020204020204" pitchFamily="34" charset="0"/>
+            </a:endParaRPr>
+          </a:p>
+          <a:p>
+            <a:pPr algn="ctr"/>
+            <a:r>
+              <a:rPr lang="en-US" sz="1000" dirty="0">
+                <a:solidFill>
+                  <a:srgbClr val="D86613"/>
+                </a:solidFill>
+                <a:latin typeface="Amazon Ember" panose="020B0603020204020204" pitchFamily="34" charset="0"/>
+                <a:ea typeface="Amazon Ember" panose="020B0603020204020204" pitchFamily="34" charset="0"/>
+                <a:cs typeface="Amazon Ember" panose="020B0603020204020204" pitchFamily="34" charset="0"/>
+              </a:rPr>
+              <a:t>Auto Scaling group</a:t>
+            </a:r>
+          </a:p>
+        </p:txBody>
+      </p:sp>
+      <p:pic>
+        <p:nvPicPr>
+          <p:cNvPr id="49" name="Graphic 3">
+            <a:extLst>
+              <a:ext uri="{FF2B5EF4-FFF2-40B4-BE49-F238E27FC236}">
+                <a16:creationId xmlns:a16="http://schemas.microsoft.com/office/drawing/2014/main" id="{178E74E1-4975-49B7-AA60-E4A94C4F6B2B}"/>
+              </a:ext>
+            </a:extLst>
+          </p:cNvPr>
+          <p:cNvPicPr>
+            <a:picLocks noChangeAspect="1"/>
+          </p:cNvPicPr>
+          <p:nvPr/>
+        </p:nvPicPr>
+        <p:blipFill>
+          <a:blip r:embed="rId12">
+            <a:extLst>
+              <a:ext uri="{96DAC541-7B7A-43D3-8B79-37D633B846F1}">
+                <asvg:svgBlip xmlns:asvg="http://schemas.microsoft.com/office/drawing/2016/SVG/main" r:embed="rId13"/>
+              </a:ext>
+            </a:extLst>
+          </a:blip>
+          <a:stretch>
+            <a:fillRect/>
+          </a:stretch>
+        </p:blipFill>
+        <p:spPr>
+          <a:xfrm>
+            <a:off x="3419178" y="1600200"/>
+            <a:ext cx="330200" cy="330200"/>
+          </a:xfrm>
+          <a:prstGeom prst="rect">
+            <a:avLst/>
+          </a:prstGeom>
+        </p:spPr>
+      </p:pic>
+      <p:pic>
+        <p:nvPicPr>
+          <p:cNvPr id="52" name="Graphic 135">
+            <a:extLst>
+              <a:ext uri="{FF2B5EF4-FFF2-40B4-BE49-F238E27FC236}">
+                <a16:creationId xmlns:a16="http://schemas.microsoft.com/office/drawing/2014/main" id="{7FAAD798-348F-4D4A-8289-793E6733D316}"/>
+              </a:ext>
+            </a:extLst>
+          </p:cNvPr>
+          <p:cNvPicPr>
+            <a:picLocks noChangeAspect="1"/>
+          </p:cNvPicPr>
+          <p:nvPr/>
+        </p:nvPicPr>
+        <p:blipFill>
+          <a:blip r:embed="rId14">
+            <a:extLst>
+              <a:ext uri="{96DAC541-7B7A-43D3-8B79-37D633B846F1}">
+                <asvg:svgBlip xmlns:asvg="http://schemas.microsoft.com/office/drawing/2016/SVG/main" r:embed="rId15"/>
+              </a:ext>
+            </a:extLst>
+          </a:blip>
+          <a:stretch>
+            <a:fillRect/>
+          </a:stretch>
+        </p:blipFill>
+        <p:spPr>
+          <a:xfrm>
+            <a:off x="1980197" y="1866208"/>
+            <a:ext cx="469900" cy="469900"/>
+          </a:xfrm>
+          <a:prstGeom prst="rect">
+            <a:avLst/>
+          </a:prstGeom>
+        </p:spPr>
+      </p:pic>
+      <p:sp>
+        <p:nvSpPr>
+          <p:cNvPr id="53" name="TextBox 52">
+            <a:extLst>
+              <a:ext uri="{FF2B5EF4-FFF2-40B4-BE49-F238E27FC236}">
+                <a16:creationId xmlns:a16="http://schemas.microsoft.com/office/drawing/2014/main" id="{65C8C63D-5EC8-4619-8E8F-50BC781C9AA0}"/>
+              </a:ext>
+            </a:extLst>
+          </p:cNvPr>
+          <p:cNvSpPr txBox="1"/>
+          <p:nvPr/>
+        </p:nvSpPr>
+        <p:spPr>
+          <a:xfrm>
+            <a:off x="1458495" y="2311617"/>
+            <a:ext cx="1513305" cy="246221"/>
+          </a:xfrm>
+          <a:prstGeom prst="rect">
+            <a:avLst/>
+          </a:prstGeom>
+          <a:noFill/>
+        </p:spPr>
+        <p:txBody>
+          <a:bodyPr wrap="square" rtlCol="0">
+            <a:spAutoFit/>
+          </a:bodyPr>
+          <a:lstStyle/>
+          <a:p>
+            <a:pPr algn="ctr"/>
+            <a:r>
+              <a:rPr lang="en-US" sz="1000" dirty="0">
+                <a:latin typeface="Amazon Ember" panose="020B0603020204020204" pitchFamily="34" charset="0"/>
+                <a:ea typeface="Amazon Ember" panose="020B0603020204020204" pitchFamily="34" charset="0"/>
+                <a:cs typeface="Amazon Ember" panose="020B0603020204020204" pitchFamily="34" charset="0"/>
+              </a:rPr>
+              <a:t>RD Gateway</a:t>
+            </a:r>
+          </a:p>
+        </p:txBody>
+      </p:sp>
+      <p:sp>
+        <p:nvSpPr>
+          <p:cNvPr id="54" name="TextBox 53">
+            <a:extLst>
+              <a:ext uri="{FF2B5EF4-FFF2-40B4-BE49-F238E27FC236}">
+                <a16:creationId xmlns:a16="http://schemas.microsoft.com/office/drawing/2014/main" id="{0679E16E-60B1-42E4-A4F7-FD4A7E54D843}"/>
+              </a:ext>
+            </a:extLst>
+          </p:cNvPr>
+          <p:cNvSpPr txBox="1"/>
+          <p:nvPr/>
+        </p:nvSpPr>
+        <p:spPr>
+          <a:xfrm>
+            <a:off x="4125495" y="2344579"/>
+            <a:ext cx="1513305" cy="246221"/>
+          </a:xfrm>
+          <a:prstGeom prst="rect">
+            <a:avLst/>
+          </a:prstGeom>
+          <a:noFill/>
+          <a:effectLst>
+            <a:softEdge rad="0"/>
+          </a:effectLst>
+        </p:spPr>
+        <p:txBody>
+          <a:bodyPr wrap="square" rtlCol="0">
+            <a:spAutoFit/>
+          </a:bodyPr>
+          <a:lstStyle/>
+          <a:p>
+            <a:pPr algn="ctr"/>
+            <a:r>
+              <a:rPr lang="en-US" sz="1000" dirty="0">
+                <a:latin typeface="Amazon Ember" panose="020B0603020204020204" pitchFamily="34" charset="0"/>
+                <a:ea typeface="Amazon Ember" panose="020B0603020204020204" pitchFamily="34" charset="0"/>
+                <a:cs typeface="Amazon Ember" panose="020B0603020204020204" pitchFamily="34" charset="0"/>
+              </a:rPr>
+              <a:t>RD Gateway</a:t>
+            </a:r>
+          </a:p>
+        </p:txBody>
+      </p:sp>
+      <p:pic>
+        <p:nvPicPr>
+          <p:cNvPr id="55" name="Graphic 43">
+            <a:extLst>
+              <a:ext uri="{FF2B5EF4-FFF2-40B4-BE49-F238E27FC236}">
+                <a16:creationId xmlns:a16="http://schemas.microsoft.com/office/drawing/2014/main" id="{ECF1465B-8468-4FA3-9EA4-A6D06496A33B}"/>
+              </a:ext>
+            </a:extLst>
+          </p:cNvPr>
+          <p:cNvPicPr>
+            <a:picLocks noChangeAspect="1"/>
+          </p:cNvPicPr>
+          <p:nvPr/>
+        </p:nvPicPr>
+        <p:blipFill>
+          <a:blip r:embed="rId16">
+            <a:extLst>
+              <a:ext uri="{BEBA8EAE-BF5A-486C-A8C5-ECC9F3942E4B}">
+                <a14:imgProps xmlns:a14="http://schemas.microsoft.com/office/drawing/2010/main">
+                  <a14:imgLayer r:embed="rId17">
+                    <a14:imgEffect>
+                      <a14:artisticPhotocopy/>
+                    </a14:imgEffect>
+                  </a14:imgLayer>
+                </a14:imgProps>
+              </a:ext>
+            </a:extLst>
+          </a:blip>
+          <a:stretch>
+            <a:fillRect/>
+          </a:stretch>
+        </p:blipFill>
+        <p:spPr>
+          <a:xfrm>
+            <a:off x="4646195" y="1892300"/>
+            <a:ext cx="469900" cy="469900"/>
+          </a:xfrm>
+          <a:prstGeom prst="rect">
+            <a:avLst/>
+          </a:prstGeom>
+        </p:spPr>
+      </p:pic>
+      <p:sp>
+        <p:nvSpPr>
+          <p:cNvPr id="70" name="TextBox 69">
+            <a:extLst>
+              <a:ext uri="{FF2B5EF4-FFF2-40B4-BE49-F238E27FC236}">
+                <a16:creationId xmlns:a16="http://schemas.microsoft.com/office/drawing/2014/main" id="{41A123CA-0CE0-465E-8920-59EAC9125995}"/>
+              </a:ext>
+            </a:extLst>
+          </p:cNvPr>
+          <p:cNvSpPr txBox="1"/>
+          <p:nvPr/>
+        </p:nvSpPr>
+        <p:spPr>
+          <a:xfrm>
+            <a:off x="685800" y="2344579"/>
+            <a:ext cx="1236442" cy="246221"/>
+          </a:xfrm>
+          <a:prstGeom prst="rect">
+            <a:avLst/>
+          </a:prstGeom>
+          <a:noFill/>
+        </p:spPr>
+        <p:txBody>
+          <a:bodyPr wrap="square" rtlCol="0">
+            <a:spAutoFit/>
+          </a:bodyPr>
+          <a:lstStyle/>
+          <a:p>
+            <a:pPr algn="ctr"/>
+            <a:r>
+              <a:rPr lang="en-US" sz="1000" dirty="0">
+                <a:latin typeface="Amazon Ember" panose="020B0603020204020204" pitchFamily="34" charset="0"/>
+                <a:ea typeface="Amazon Ember" panose="020B0603020204020204" pitchFamily="34" charset="0"/>
+                <a:cs typeface="Amazon Ember" panose="020B0603020204020204" pitchFamily="34" charset="0"/>
+              </a:rPr>
+              <a:t>NAT gateway</a:t>
+            </a:r>
+          </a:p>
+        </p:txBody>
+      </p:sp>
+      <p:pic>
+        <p:nvPicPr>
+          <p:cNvPr id="71" name="Graphic 40">
+            <a:extLst>
+              <a:ext uri="{FF2B5EF4-FFF2-40B4-BE49-F238E27FC236}">
+                <a16:creationId xmlns:a16="http://schemas.microsoft.com/office/drawing/2014/main" id="{0E98A657-C8B3-4F7A-8240-13E58E706E04}"/>
+              </a:ext>
+            </a:extLst>
+          </p:cNvPr>
+          <p:cNvPicPr>
+            <a:picLocks noChangeAspect="1"/>
+          </p:cNvPicPr>
+          <p:nvPr/>
+        </p:nvPicPr>
+        <p:blipFill>
+          <a:blip r:embed="rId18">
+            <a:extLst>
+              <a:ext uri="{96DAC541-7B7A-43D3-8B79-37D633B846F1}">
+                <asvg:svgBlip xmlns:asvg="http://schemas.microsoft.com/office/drawing/2016/SVG/main" r:embed="rId19"/>
+              </a:ext>
+            </a:extLst>
+          </a:blip>
+          <a:stretch>
+            <a:fillRect/>
+          </a:stretch>
+        </p:blipFill>
+        <p:spPr>
+          <a:xfrm>
+            <a:off x="1069071" y="1859338"/>
+            <a:ext cx="469900" cy="469900"/>
+          </a:xfrm>
+          <a:prstGeom prst="rect">
+            <a:avLst/>
+          </a:prstGeom>
+        </p:spPr>
+      </p:pic>
+      <p:sp>
+        <p:nvSpPr>
+          <p:cNvPr id="72" name="TextBox 71">
+            <a:extLst>
+              <a:ext uri="{FF2B5EF4-FFF2-40B4-BE49-F238E27FC236}">
+                <a16:creationId xmlns:a16="http://schemas.microsoft.com/office/drawing/2014/main" id="{E5062E4D-DEE2-483B-B704-478895B4FD0D}"/>
+              </a:ext>
+            </a:extLst>
+          </p:cNvPr>
+          <p:cNvSpPr txBox="1"/>
+          <p:nvPr/>
+        </p:nvSpPr>
+        <p:spPr>
+          <a:xfrm>
+            <a:off x="5240558" y="2344579"/>
+            <a:ext cx="1236442" cy="246221"/>
+          </a:xfrm>
+          <a:prstGeom prst="rect">
+            <a:avLst/>
+          </a:prstGeom>
+          <a:noFill/>
+        </p:spPr>
+        <p:txBody>
+          <a:bodyPr wrap="square" rtlCol="0">
+            <a:spAutoFit/>
+          </a:bodyPr>
+          <a:lstStyle/>
+          <a:p>
+            <a:pPr algn="ctr"/>
+            <a:r>
+              <a:rPr lang="en-US" sz="1000" dirty="0">
+                <a:latin typeface="Amazon Ember" panose="020B0603020204020204" pitchFamily="34" charset="0"/>
+                <a:ea typeface="Amazon Ember" panose="020B0603020204020204" pitchFamily="34" charset="0"/>
+                <a:cs typeface="Amazon Ember" panose="020B0603020204020204" pitchFamily="34" charset="0"/>
+              </a:rPr>
+              <a:t>NAT gateway</a:t>
+            </a:r>
+          </a:p>
+        </p:txBody>
+      </p:sp>
+      <p:pic>
+        <p:nvPicPr>
+          <p:cNvPr id="73" name="Graphic 40">
+            <a:extLst>
+              <a:ext uri="{FF2B5EF4-FFF2-40B4-BE49-F238E27FC236}">
+                <a16:creationId xmlns:a16="http://schemas.microsoft.com/office/drawing/2014/main" id="{DF802C30-33E5-433C-9164-0B14FFE5917C}"/>
+              </a:ext>
+            </a:extLst>
+          </p:cNvPr>
+          <p:cNvPicPr>
+            <a:picLocks noChangeAspect="1"/>
+          </p:cNvPicPr>
+          <p:nvPr/>
+        </p:nvPicPr>
+        <p:blipFill>
+          <a:blip r:embed="rId18">
+            <a:extLst>
+              <a:ext uri="{96DAC541-7B7A-43D3-8B79-37D633B846F1}">
+                <asvg:svgBlip xmlns:asvg="http://schemas.microsoft.com/office/drawing/2016/SVG/main" r:embed="rId19"/>
+              </a:ext>
+            </a:extLst>
+          </a:blip>
+          <a:stretch>
+            <a:fillRect/>
+          </a:stretch>
+        </p:blipFill>
+        <p:spPr>
+          <a:xfrm>
+            <a:off x="5623829" y="1859338"/>
+            <a:ext cx="469900" cy="469900"/>
+          </a:xfrm>
+          <a:prstGeom prst="rect">
+            <a:avLst/>
+          </a:prstGeom>
+        </p:spPr>
+      </p:pic>
+      <p:sp>
+        <p:nvSpPr>
+          <p:cNvPr id="74" name="TextBox 73">
+            <a:extLst>
+              <a:ext uri="{FF2B5EF4-FFF2-40B4-BE49-F238E27FC236}">
+                <a16:creationId xmlns:a16="http://schemas.microsoft.com/office/drawing/2014/main" id="{6176709F-8E7B-418A-A058-DF8A216B115B}"/>
+              </a:ext>
+            </a:extLst>
+          </p:cNvPr>
+          <p:cNvSpPr txBox="1"/>
+          <p:nvPr/>
+        </p:nvSpPr>
+        <p:spPr>
+          <a:xfrm>
+            <a:off x="7221758" y="2344579"/>
+            <a:ext cx="1236442" cy="246221"/>
+          </a:xfrm>
+          <a:prstGeom prst="rect">
+            <a:avLst/>
+          </a:prstGeom>
+          <a:noFill/>
+        </p:spPr>
+        <p:txBody>
+          <a:bodyPr wrap="square" rtlCol="0">
+            <a:spAutoFit/>
+          </a:bodyPr>
+          <a:lstStyle/>
+          <a:p>
+            <a:pPr algn="ctr"/>
+            <a:r>
+              <a:rPr lang="en-US" sz="1000" dirty="0">
+                <a:latin typeface="Amazon Ember" panose="020B0603020204020204" pitchFamily="34" charset="0"/>
+                <a:ea typeface="Amazon Ember" panose="020B0603020204020204" pitchFamily="34" charset="0"/>
+                <a:cs typeface="Amazon Ember" panose="020B0603020204020204" pitchFamily="34" charset="0"/>
+              </a:rPr>
+              <a:t>NAT gateway</a:t>
+            </a:r>
+          </a:p>
+        </p:txBody>
+      </p:sp>
+      <p:pic>
+        <p:nvPicPr>
+          <p:cNvPr id="75" name="Graphic 40">
+            <a:extLst>
+              <a:ext uri="{FF2B5EF4-FFF2-40B4-BE49-F238E27FC236}">
+                <a16:creationId xmlns:a16="http://schemas.microsoft.com/office/drawing/2014/main" id="{16FF2226-B258-4B34-909C-2D9F48E03C06}"/>
+              </a:ext>
+            </a:extLst>
+          </p:cNvPr>
+          <p:cNvPicPr>
+            <a:picLocks noChangeAspect="1"/>
+          </p:cNvPicPr>
+          <p:nvPr/>
+        </p:nvPicPr>
+        <p:blipFill>
+          <a:blip r:embed="rId18">
+            <a:extLst>
+              <a:ext uri="{96DAC541-7B7A-43D3-8B79-37D633B846F1}">
+                <asvg:svgBlip xmlns:asvg="http://schemas.microsoft.com/office/drawing/2016/SVG/main" r:embed="rId19"/>
+              </a:ext>
+            </a:extLst>
+          </a:blip>
+          <a:stretch>
+            <a:fillRect/>
+          </a:stretch>
+        </p:blipFill>
+        <p:spPr>
+          <a:xfrm>
+            <a:off x="7605029" y="1859338"/>
+            <a:ext cx="469900" cy="469900"/>
+          </a:xfrm>
+          <a:prstGeom prst="rect">
+            <a:avLst/>
+          </a:prstGeom>
+        </p:spPr>
+      </p:pic>
     </p:spTree>
     <p:extLst>
       <p:ext uri="{BB962C8B-B14F-4D97-AF65-F5344CB8AC3E}">

--- a/docs/deployment_guide/images/starwind_qs_architecture_diagram.pptx
+++ b/docs/deployment_guide/images/starwind_qs_architecture_diagram.pptx
@@ -238,7 +238,7 @@
           <a:p>
             <a:fld id="{49A7721D-1176-A640-AC48-B82F78C92D56}" type="datetimeFigureOut">
               <a:rPr lang="en-US" smtClean="0"/>
-              <a:t>2/7/2022</a:t>
+              <a:t>2/15/2022</a:t>
             </a:fld>
             <a:endParaRPr lang="en-US" dirty="0"/>
           </a:p>
@@ -415,7 +415,7 @@
           <a:p>
             <a:fld id="{C884A089-FB25-6D46-9D21-F0F04A18BCA8}" type="datetimeFigureOut">
               <a:rPr lang="en-US" smtClean="0"/>
-              <a:t>2/7/2022</a:t>
+              <a:t>2/15/2022</a:t>
             </a:fld>
             <a:endParaRPr lang="en-US" dirty="0"/>
           </a:p>
@@ -1183,7 +1183,7 @@
         <p:spPr>
           <a:xfrm>
             <a:off x="321786" y="939996"/>
-            <a:ext cx="9076857" cy="5239740"/>
+            <a:ext cx="10425037" cy="5239740"/>
           </a:xfrm>
           <a:prstGeom prst="rect">
             <a:avLst/>
@@ -1250,7 +1250,7 @@
         <p:spPr>
           <a:xfrm>
             <a:off x="892386" y="2819400"/>
-            <a:ext cx="2470969" cy="3211262"/>
+            <a:ext cx="2470969" cy="3276600"/>
           </a:xfrm>
           <a:prstGeom prst="rect">
             <a:avLst/>
@@ -1294,7 +1294,7 @@
             <a:r>
               <a:rPr lang="en-US" sz="1200" dirty="0">
                 <a:solidFill>
-                  <a:srgbClr val="007DBC"/>
+                  <a:srgbClr val="5B9CD5"/>
                 </a:solidFill>
                 <a:latin typeface="Arial" panose="020B0604020202020204" pitchFamily="34" charset="0"/>
                 <a:cs typeface="Arial" panose="020B0604020202020204" pitchFamily="34" charset="0"/>
@@ -1319,7 +1319,7 @@
         <p:spPr>
           <a:xfrm>
             <a:off x="129846" y="85996"/>
-            <a:ext cx="9442418" cy="6354997"/>
+            <a:ext cx="10781725" cy="6354997"/>
           </a:xfrm>
           <a:prstGeom prst="rect">
             <a:avLst/>
@@ -1362,7 +1362,6 @@
                 <a:solidFill>
                   <a:sysClr val="windowText" lastClr="000000"/>
                 </a:solidFill>
-                <a:latin typeface="Arial" panose="020B0604020202020204" pitchFamily="34" charset="0"/>
                 <a:cs typeface="Arial" panose="020B0604020202020204" pitchFamily="34" charset="0"/>
               </a:rPr>
               <a:t>AWS Cloud</a:t>
@@ -1393,7 +1392,7 @@
           <a:noFill/>
           <a:ln w="12700">
             <a:solidFill>
-              <a:srgbClr val="007DBC"/>
+              <a:srgbClr val="5B9CD5"/>
             </a:solidFill>
             <a:prstDash val="dash"/>
           </a:ln>
@@ -1427,7 +1426,7 @@
             <a:r>
               <a:rPr lang="en-US" sz="1200" dirty="0">
                 <a:solidFill>
-                  <a:srgbClr val="007DBC"/>
+                  <a:srgbClr val="5B9CD5"/>
                 </a:solidFill>
                 <a:latin typeface="Arial" panose="020B0604020202020204" pitchFamily="34" charset="0"/>
                 <a:cs typeface="Arial" panose="020B0604020202020204" pitchFamily="34" charset="0"/>
@@ -1573,7 +1572,7 @@
         </p:blipFill>
         <p:spPr>
           <a:xfrm>
-            <a:off x="894110" y="2849880"/>
+            <a:off x="894110" y="2819400"/>
             <a:ext cx="274320" cy="274320"/>
           </a:xfrm>
           <a:prstGeom prst="rect">
@@ -1595,7 +1594,7 @@
         </p:nvSpPr>
         <p:spPr>
           <a:xfrm>
-            <a:off x="908988" y="4503649"/>
+            <a:off x="908988" y="4505227"/>
             <a:ext cx="1124943" cy="430887"/>
           </a:xfrm>
           <a:prstGeom prst="rect">
@@ -1612,7 +1611,6 @@
             <a:pPr algn="ctr"/>
             <a:r>
               <a:rPr lang="en-US" sz="1100" dirty="0">
-                <a:latin typeface="Arial" panose="020B0604020202020204" pitchFamily="34" charset="0"/>
                 <a:cs typeface="Arial" panose="020B0604020202020204" pitchFamily="34" charset="0"/>
               </a:rPr>
               <a:t>StarWind storage node 1</a:t>
@@ -1636,7 +1634,7 @@
         </p:nvSpPr>
         <p:spPr bwMode="auto">
           <a:xfrm>
-            <a:off x="1445177" y="3607713"/>
+            <a:off x="1445177" y="3588859"/>
             <a:ext cx="1342852" cy="430887"/>
           </a:xfrm>
           <a:prstGeom prst="rect">
@@ -1772,7 +1770,7 @@
             <a:pPr algn="ctr" eaLnBrk="1" hangingPunct="1"/>
             <a:r>
               <a:rPr lang="en-US" altLang="en-US" sz="1100" dirty="0">
-                <a:latin typeface="Arial" panose="020B0604020202020204" pitchFamily="34" charset="0"/>
+                <a:latin typeface="+mn-lt"/>
                 <a:ea typeface="Amazon Ember" panose="020B0603020204020204" pitchFamily="34" charset="0"/>
                 <a:cs typeface="Arial" panose="020B0604020202020204" pitchFamily="34" charset="0"/>
               </a:rPr>
@@ -1780,14 +1778,14 @@
             </a:r>
             <a:br>
               <a:rPr lang="en-US" altLang="en-US" sz="1100" dirty="0">
-                <a:latin typeface="Arial" panose="020B0604020202020204" pitchFamily="34" charset="0"/>
+                <a:latin typeface="+mn-lt"/>
                 <a:ea typeface="Amazon Ember" panose="020B0603020204020204" pitchFamily="34" charset="0"/>
                 <a:cs typeface="Arial" panose="020B0604020202020204" pitchFamily="34" charset="0"/>
               </a:rPr>
             </a:br>
             <a:r>
               <a:rPr lang="en-US" altLang="en-US" sz="1100" dirty="0">
-                <a:latin typeface="Arial" panose="020B0604020202020204" pitchFamily="34" charset="0"/>
+                <a:latin typeface="+mn-lt"/>
                 <a:ea typeface="Amazon Ember" panose="020B0603020204020204" pitchFamily="34" charset="0"/>
                 <a:cs typeface="Arial" panose="020B0604020202020204" pitchFamily="34" charset="0"/>
               </a:rPr>
@@ -1872,7 +1870,7 @@
         </p:nvSpPr>
         <p:spPr bwMode="auto">
           <a:xfrm>
-            <a:off x="1847014" y="4505236"/>
+            <a:off x="1847014" y="4506814"/>
             <a:ext cx="1507158" cy="600164"/>
           </a:xfrm>
           <a:prstGeom prst="rect">
@@ -2008,37 +2006,37 @@
             <a:pPr algn="ctr"/>
             <a:r>
               <a:rPr lang="en-US" altLang="en-US" sz="1100" dirty="0">
-                <a:latin typeface="Arial" panose="020B0604020202020204" pitchFamily="34" charset="0"/>
+                <a:latin typeface="+mn-lt"/>
                 <a:ea typeface="Amazon Ember" panose="020B0603020204020204" pitchFamily="34" charset="0"/>
                 <a:cs typeface="Arial" panose="020B0604020202020204" pitchFamily="34" charset="0"/>
               </a:rPr>
-              <a:t>Management/</a:t>
+              <a:t>Management </a:t>
             </a:r>
             <a:br>
               <a:rPr lang="en-US" altLang="en-US" sz="1100" dirty="0">
-                <a:latin typeface="Arial" panose="020B0604020202020204" pitchFamily="34" charset="0"/>
+                <a:latin typeface="+mn-lt"/>
                 <a:ea typeface="Amazon Ember" panose="020B0603020204020204" pitchFamily="34" charset="0"/>
                 <a:cs typeface="Arial" panose="020B0604020202020204" pitchFamily="34" charset="0"/>
               </a:rPr>
             </a:br>
             <a:r>
               <a:rPr lang="en-US" altLang="en-US" sz="1100" dirty="0">
-                <a:latin typeface="Arial" panose="020B0604020202020204" pitchFamily="34" charset="0"/>
+                <a:latin typeface="+mn-lt"/>
                 <a:ea typeface="Amazon Ember" panose="020B0603020204020204" pitchFamily="34" charset="0"/>
                 <a:cs typeface="Arial" panose="020B0604020202020204" pitchFamily="34" charset="0"/>
               </a:rPr>
-              <a:t>witness  </a:t>
+              <a:t>or witness  </a:t>
             </a:r>
             <a:br>
               <a:rPr lang="en-US" altLang="en-US" sz="1100" dirty="0">
-                <a:latin typeface="Arial" panose="020B0604020202020204" pitchFamily="34" charset="0"/>
+                <a:latin typeface="+mn-lt"/>
                 <a:ea typeface="Amazon Ember" panose="020B0603020204020204" pitchFamily="34" charset="0"/>
                 <a:cs typeface="Arial" panose="020B0604020202020204" pitchFamily="34" charset="0"/>
               </a:rPr>
             </a:br>
             <a:r>
               <a:rPr lang="en-US" altLang="en-US" sz="1100" dirty="0">
-                <a:latin typeface="Arial" panose="020B0604020202020204" pitchFamily="34" charset="0"/>
+                <a:latin typeface="+mn-lt"/>
                 <a:ea typeface="Amazon Ember" panose="020B0603020204020204" pitchFamily="34" charset="0"/>
                 <a:cs typeface="Arial" panose="020B0604020202020204" pitchFamily="34" charset="0"/>
               </a:rPr>
@@ -2076,7 +2074,7 @@
         </p:blipFill>
         <p:spPr bwMode="auto">
           <a:xfrm>
-            <a:off x="2371993" y="4046449"/>
+            <a:off x="2371993" y="4084157"/>
             <a:ext cx="457200" cy="457200"/>
           </a:xfrm>
           <a:prstGeom prst="rect">
@@ -2123,7 +2121,7 @@
         </p:nvSpPr>
         <p:spPr bwMode="auto">
           <a:xfrm>
-            <a:off x="1365023" y="5504363"/>
+            <a:off x="1365023" y="5645475"/>
             <a:ext cx="1503160" cy="430887"/>
           </a:xfrm>
           <a:prstGeom prst="rect">
@@ -2259,7 +2257,7 @@
             <a:pPr algn="ctr"/>
             <a:r>
               <a:rPr lang="en-US" altLang="en-US" sz="1100" dirty="0">
-                <a:latin typeface="Arial" panose="020B0604020202020204" pitchFamily="34" charset="0"/>
+                <a:latin typeface="+mn-lt"/>
                 <a:ea typeface="Amazon Ember" panose="020B0603020204020204" pitchFamily="34" charset="0"/>
                 <a:cs typeface="Arial" panose="020B0604020202020204" pitchFamily="34" charset="0"/>
               </a:rPr>
@@ -2267,14 +2265,14 @@
             </a:r>
             <a:br>
               <a:rPr lang="en-US" altLang="en-US" sz="1100" dirty="0">
-                <a:latin typeface="Arial" panose="020B0604020202020204" pitchFamily="34" charset="0"/>
+                <a:latin typeface="+mn-lt"/>
                 <a:ea typeface="Amazon Ember" panose="020B0603020204020204" pitchFamily="34" charset="0"/>
                 <a:cs typeface="Arial" panose="020B0604020202020204" pitchFamily="34" charset="0"/>
               </a:rPr>
             </a:br>
             <a:r>
               <a:rPr lang="en-US" altLang="en-US" sz="1100" dirty="0">
-                <a:latin typeface="Arial" panose="020B0604020202020204" pitchFamily="34" charset="0"/>
+                <a:latin typeface="+mn-lt"/>
                 <a:ea typeface="Amazon Ember" panose="020B0603020204020204" pitchFamily="34" charset="0"/>
                 <a:cs typeface="Arial" panose="020B0604020202020204" pitchFamily="34" charset="0"/>
               </a:rPr>
@@ -2312,7 +2310,7 @@
         </p:blipFill>
         <p:spPr bwMode="auto">
           <a:xfrm>
-            <a:off x="1888003" y="5045576"/>
+            <a:off x="1888003" y="5205542"/>
             <a:ext cx="457200" cy="457200"/>
           </a:xfrm>
           <a:prstGeom prst="rect">
@@ -2372,7 +2370,7 @@
         </p:blipFill>
         <p:spPr bwMode="auto">
           <a:xfrm>
-            <a:off x="1247049" y="4046449"/>
+            <a:off x="1247049" y="4084157"/>
             <a:ext cx="457200" cy="457200"/>
           </a:xfrm>
           <a:prstGeom prst="rect">
@@ -2417,7 +2415,7 @@
         </p:nvSpPr>
         <p:spPr>
           <a:xfrm>
-            <a:off x="6632684" y="1298328"/>
+            <a:off x="7974573" y="1298328"/>
             <a:ext cx="2474928" cy="1444872"/>
           </a:xfrm>
           <a:prstGeom prst="rect">
@@ -2486,8 +2484,8 @@
         </p:nvSpPr>
         <p:spPr>
           <a:xfrm>
-            <a:off x="6636643" y="2819400"/>
-            <a:ext cx="2470969" cy="3211262"/>
+            <a:off x="7978532" y="2819400"/>
+            <a:ext cx="2470969" cy="3276600"/>
           </a:xfrm>
           <a:prstGeom prst="rect">
             <a:avLst/>
@@ -2531,7 +2529,7 @@
             <a:r>
               <a:rPr lang="en-US" sz="1200" dirty="0">
                 <a:solidFill>
-                  <a:srgbClr val="007DBC"/>
+                  <a:srgbClr val="5B9CD5"/>
                 </a:solidFill>
                 <a:latin typeface="Arial" panose="020B0604020202020204" pitchFamily="34" charset="0"/>
                 <a:cs typeface="Arial" panose="020B0604020202020204" pitchFamily="34" charset="0"/>
@@ -2555,7 +2553,7 @@
         </p:nvSpPr>
         <p:spPr>
           <a:xfrm>
-            <a:off x="6467812" y="533595"/>
+            <a:off x="7809701" y="533595"/>
             <a:ext cx="2782099" cy="5766721"/>
           </a:xfrm>
           <a:prstGeom prst="rect">
@@ -2564,7 +2562,7 @@
           <a:noFill/>
           <a:ln w="12700">
             <a:solidFill>
-              <a:srgbClr val="007DBC"/>
+              <a:srgbClr val="5B9CD5"/>
             </a:solidFill>
             <a:prstDash val="dash"/>
           </a:ln>
@@ -2598,7 +2596,7 @@
             <a:r>
               <a:rPr lang="en-US" sz="1200" dirty="0">
                 <a:solidFill>
-                  <a:srgbClr val="007DBC"/>
+                  <a:srgbClr val="5B9CD5"/>
                 </a:solidFill>
                 <a:latin typeface="Arial" panose="020B0604020202020204" pitchFamily="34" charset="0"/>
                 <a:cs typeface="Arial" panose="020B0604020202020204" pitchFamily="34" charset="0"/>
@@ -2636,7 +2634,7 @@
         </p:blipFill>
         <p:spPr>
           <a:xfrm>
-            <a:off x="6632684" y="1295969"/>
+            <a:off x="7974573" y="1295969"/>
             <a:ext cx="274320" cy="274320"/>
           </a:xfrm>
           <a:prstGeom prst="rect">
@@ -2672,7 +2670,7 @@
         </p:blipFill>
         <p:spPr>
           <a:xfrm>
-            <a:off x="6638367" y="2849880"/>
+            <a:off x="7980256" y="2819400"/>
             <a:ext cx="274320" cy="274320"/>
           </a:xfrm>
           <a:prstGeom prst="rect">
@@ -2694,7 +2692,7 @@
         </p:nvSpPr>
         <p:spPr>
           <a:xfrm>
-            <a:off x="6638367" y="4503649"/>
+            <a:off x="7980256" y="4505227"/>
             <a:ext cx="1155530" cy="430887"/>
           </a:xfrm>
           <a:prstGeom prst="rect">
@@ -2711,7 +2709,6 @@
             <a:pPr algn="ctr"/>
             <a:r>
               <a:rPr lang="en-US" sz="1100" dirty="0">
-                <a:latin typeface="Arial" panose="020B0604020202020204" pitchFamily="34" charset="0"/>
                 <a:cs typeface="Arial" panose="020B0604020202020204" pitchFamily="34" charset="0"/>
               </a:rPr>
               <a:t>StarWind storage node 2</a:t>
@@ -2735,7 +2732,7 @@
         </p:nvSpPr>
         <p:spPr bwMode="auto">
           <a:xfrm>
-            <a:off x="7156329" y="3607713"/>
+            <a:off x="8498218" y="3588859"/>
             <a:ext cx="1342852" cy="430887"/>
           </a:xfrm>
           <a:prstGeom prst="rect">
@@ -2871,7 +2868,7 @@
             <a:pPr algn="ctr"/>
             <a:r>
               <a:rPr lang="en-US" altLang="en-US" sz="1100" dirty="0">
-                <a:latin typeface="Arial" panose="020B0604020202020204" pitchFamily="34" charset="0"/>
+                <a:latin typeface="+mn-lt"/>
                 <a:ea typeface="Amazon Ember" panose="020B0603020204020204" pitchFamily="34" charset="0"/>
                 <a:cs typeface="Arial" panose="020B0604020202020204" pitchFamily="34" charset="0"/>
               </a:rPr>
@@ -2879,14 +2876,14 @@
             </a:r>
             <a:br>
               <a:rPr lang="en-US" altLang="en-US" sz="1100" dirty="0">
-                <a:latin typeface="Arial" panose="020B0604020202020204" pitchFamily="34" charset="0"/>
+                <a:latin typeface="+mn-lt"/>
                 <a:ea typeface="Amazon Ember" panose="020B0603020204020204" pitchFamily="34" charset="0"/>
                 <a:cs typeface="Arial" panose="020B0604020202020204" pitchFamily="34" charset="0"/>
               </a:rPr>
             </a:br>
             <a:r>
               <a:rPr lang="en-US" altLang="en-US" sz="1100" dirty="0">
-                <a:latin typeface="Arial" panose="020B0604020202020204" pitchFamily="34" charset="0"/>
+                <a:latin typeface="+mn-lt"/>
                 <a:ea typeface="Amazon Ember" panose="020B0603020204020204" pitchFamily="34" charset="0"/>
                 <a:cs typeface="Arial" panose="020B0604020202020204" pitchFamily="34" charset="0"/>
               </a:rPr>
@@ -2924,7 +2921,7 @@
         </p:blipFill>
         <p:spPr bwMode="auto">
           <a:xfrm>
-            <a:off x="7599155" y="3148926"/>
+            <a:off x="8941044" y="3148926"/>
             <a:ext cx="457200" cy="457200"/>
           </a:xfrm>
           <a:prstGeom prst="rect">
@@ -2971,7 +2968,7 @@
         </p:nvSpPr>
         <p:spPr bwMode="auto">
           <a:xfrm>
-            <a:off x="7591271" y="4505236"/>
+            <a:off x="8933160" y="4506814"/>
             <a:ext cx="1507158" cy="600164"/>
           </a:xfrm>
           <a:prstGeom prst="rect">
@@ -3107,22 +3104,37 @@
             <a:pPr algn="ctr"/>
             <a:r>
               <a:rPr lang="en-US" altLang="en-US" sz="1100" dirty="0">
-                <a:latin typeface="Arial" panose="020B0604020202020204" pitchFamily="34" charset="0"/>
+                <a:latin typeface="+mn-lt"/>
                 <a:ea typeface="Amazon Ember" panose="020B0603020204020204" pitchFamily="34" charset="0"/>
                 <a:cs typeface="Arial" panose="020B0604020202020204" pitchFamily="34" charset="0"/>
               </a:rPr>
-              <a:t>Management/ witness  </a:t>
+              <a:t>Management </a:t>
             </a:r>
             <a:br>
               <a:rPr lang="en-US" altLang="en-US" sz="1100" dirty="0">
-                <a:latin typeface="Arial" panose="020B0604020202020204" pitchFamily="34" charset="0"/>
+                <a:latin typeface="+mn-lt"/>
                 <a:ea typeface="Amazon Ember" panose="020B0603020204020204" pitchFamily="34" charset="0"/>
                 <a:cs typeface="Arial" panose="020B0604020202020204" pitchFamily="34" charset="0"/>
               </a:rPr>
             </a:br>
             <a:r>
               <a:rPr lang="en-US" altLang="en-US" sz="1100" dirty="0">
-                <a:latin typeface="Arial" panose="020B0604020202020204" pitchFamily="34" charset="0"/>
+                <a:latin typeface="+mn-lt"/>
+                <a:ea typeface="Amazon Ember" panose="020B0603020204020204" pitchFamily="34" charset="0"/>
+                <a:cs typeface="Arial" panose="020B0604020202020204" pitchFamily="34" charset="0"/>
+              </a:rPr>
+              <a:t>or witness  </a:t>
+            </a:r>
+            <a:br>
+              <a:rPr lang="en-US" altLang="en-US" sz="1100" dirty="0">
+                <a:latin typeface="+mn-lt"/>
+                <a:ea typeface="Amazon Ember" panose="020B0603020204020204" pitchFamily="34" charset="0"/>
+                <a:cs typeface="Arial" panose="020B0604020202020204" pitchFamily="34" charset="0"/>
+              </a:rPr>
+            </a:br>
+            <a:r>
+              <a:rPr lang="en-US" altLang="en-US" sz="1100" dirty="0">
+                <a:latin typeface="+mn-lt"/>
                 <a:ea typeface="Amazon Ember" panose="020B0603020204020204" pitchFamily="34" charset="0"/>
                 <a:cs typeface="Arial" panose="020B0604020202020204" pitchFamily="34" charset="0"/>
               </a:rPr>
@@ -3160,7 +3172,7 @@
         </p:blipFill>
         <p:spPr bwMode="auto">
           <a:xfrm>
-            <a:off x="8116250" y="4046449"/>
+            <a:off x="9458139" y="4084157"/>
             <a:ext cx="457200" cy="457200"/>
           </a:xfrm>
           <a:prstGeom prst="rect">
@@ -3207,7 +3219,7 @@
         </p:nvSpPr>
         <p:spPr bwMode="auto">
           <a:xfrm>
-            <a:off x="7036866" y="5504363"/>
+            <a:off x="8378755" y="5645475"/>
             <a:ext cx="1581779" cy="430887"/>
           </a:xfrm>
           <a:prstGeom prst="rect">
@@ -3343,7 +3355,7 @@
             <a:pPr algn="ctr"/>
             <a:r>
               <a:rPr lang="en-US" altLang="en-US" sz="1100" dirty="0">
-                <a:latin typeface="Arial" panose="020B0604020202020204" pitchFamily="34" charset="0"/>
+                <a:latin typeface="+mn-lt"/>
                 <a:ea typeface="Amazon Ember" panose="020B0603020204020204" pitchFamily="34" charset="0"/>
                 <a:cs typeface="Arial" panose="020B0604020202020204" pitchFamily="34" charset="0"/>
               </a:rPr>
@@ -3351,14 +3363,14 @@
             </a:r>
             <a:br>
               <a:rPr lang="en-US" altLang="en-US" sz="1100" dirty="0">
-                <a:latin typeface="Arial" panose="020B0604020202020204" pitchFamily="34" charset="0"/>
+                <a:latin typeface="+mn-lt"/>
                 <a:ea typeface="Amazon Ember" panose="020B0603020204020204" pitchFamily="34" charset="0"/>
                 <a:cs typeface="Arial" panose="020B0604020202020204" pitchFamily="34" charset="0"/>
               </a:rPr>
             </a:br>
             <a:r>
               <a:rPr lang="en-US" altLang="en-US" sz="1100" dirty="0">
-                <a:latin typeface="Arial" panose="020B0604020202020204" pitchFamily="34" charset="0"/>
+                <a:latin typeface="+mn-lt"/>
                 <a:ea typeface="Amazon Ember" panose="020B0603020204020204" pitchFamily="34" charset="0"/>
                 <a:cs typeface="Arial" panose="020B0604020202020204" pitchFamily="34" charset="0"/>
               </a:rPr>
@@ -3396,7 +3408,7 @@
         </p:blipFill>
         <p:spPr bwMode="auto">
           <a:xfrm>
-            <a:off x="7599155" y="5045576"/>
+            <a:off x="8941044" y="5205542"/>
             <a:ext cx="457200" cy="457200"/>
           </a:xfrm>
           <a:prstGeom prst="rect">
@@ -3456,7 +3468,7 @@
         </p:blipFill>
         <p:spPr bwMode="auto">
           <a:xfrm>
-            <a:off x="6991306" y="4046449"/>
+            <a:off x="8333195" y="4084157"/>
             <a:ext cx="457200" cy="457200"/>
           </a:xfrm>
           <a:prstGeom prst="rect">
@@ -3501,7 +3513,7 @@
         </p:nvSpPr>
         <p:spPr>
           <a:xfrm>
-            <a:off x="3759695" y="1298328"/>
+            <a:off x="5101584" y="1298328"/>
             <a:ext cx="2474928" cy="1444872"/>
           </a:xfrm>
           <a:prstGeom prst="rect">
@@ -3570,8 +3582,8 @@
         </p:nvSpPr>
         <p:spPr>
           <a:xfrm>
-            <a:off x="3763654" y="2819400"/>
-            <a:ext cx="2470969" cy="3211262"/>
+            <a:off x="5105543" y="2819400"/>
+            <a:ext cx="2470969" cy="3276600"/>
           </a:xfrm>
           <a:prstGeom prst="rect">
             <a:avLst/>
@@ -3615,7 +3627,7 @@
             <a:r>
               <a:rPr lang="en-US" sz="1200" dirty="0">
                 <a:solidFill>
-                  <a:srgbClr val="007DBC"/>
+                  <a:srgbClr val="5B9CD5"/>
                 </a:solidFill>
                 <a:latin typeface="Arial" panose="020B0604020202020204" pitchFamily="34" charset="0"/>
                 <a:cs typeface="Arial" panose="020B0604020202020204" pitchFamily="34" charset="0"/>
@@ -3639,7 +3651,7 @@
         </p:nvSpPr>
         <p:spPr>
           <a:xfrm>
-            <a:off x="3594823" y="533595"/>
+            <a:off x="4936712" y="533595"/>
             <a:ext cx="2782099" cy="5766721"/>
           </a:xfrm>
           <a:prstGeom prst="rect">
@@ -3648,7 +3660,7 @@
           <a:noFill/>
           <a:ln w="12700">
             <a:solidFill>
-              <a:srgbClr val="007DBC"/>
+              <a:srgbClr val="5B9CD5"/>
             </a:solidFill>
             <a:prstDash val="dash"/>
           </a:ln>
@@ -3682,7 +3694,7 @@
             <a:r>
               <a:rPr lang="en-US" sz="1200" dirty="0">
                 <a:solidFill>
-                  <a:srgbClr val="007DBC"/>
+                  <a:srgbClr val="5B9CD5"/>
                 </a:solidFill>
                 <a:latin typeface="Arial" panose="020B0604020202020204" pitchFamily="34" charset="0"/>
                 <a:cs typeface="Arial" panose="020B0604020202020204" pitchFamily="34" charset="0"/>
@@ -3720,7 +3732,7 @@
         </p:blipFill>
         <p:spPr>
           <a:xfrm>
-            <a:off x="3759695" y="1295969"/>
+            <a:off x="5101584" y="1295969"/>
             <a:ext cx="274320" cy="274320"/>
           </a:xfrm>
           <a:prstGeom prst="rect">
@@ -3756,7 +3768,7 @@
         </p:blipFill>
         <p:spPr>
           <a:xfrm>
-            <a:off x="3765378" y="2849880"/>
+            <a:off x="5107267" y="2819400"/>
             <a:ext cx="274320" cy="274320"/>
           </a:xfrm>
           <a:prstGeom prst="rect">
@@ -3778,7 +3790,7 @@
         </p:nvSpPr>
         <p:spPr>
           <a:xfrm>
-            <a:off x="3795805" y="4503649"/>
+            <a:off x="5137694" y="4505227"/>
             <a:ext cx="1085967" cy="430887"/>
           </a:xfrm>
           <a:prstGeom prst="rect">
@@ -3795,7 +3807,6 @@
             <a:pPr algn="ctr"/>
             <a:r>
               <a:rPr lang="en-US" sz="1100" dirty="0">
-                <a:latin typeface="Arial" panose="020B0604020202020204" pitchFamily="34" charset="0"/>
                 <a:cs typeface="Arial" panose="020B0604020202020204" pitchFamily="34" charset="0"/>
               </a:rPr>
               <a:t>StarWind witness node</a:t>
@@ -3819,7 +3830,7 @@
         </p:nvSpPr>
         <p:spPr bwMode="auto">
           <a:xfrm>
-            <a:off x="4718282" y="4505236"/>
+            <a:off x="6060171" y="4506814"/>
             <a:ext cx="1507158" cy="600164"/>
           </a:xfrm>
           <a:prstGeom prst="rect">
@@ -3955,37 +3966,37 @@
             <a:pPr algn="ctr"/>
             <a:r>
               <a:rPr lang="en-US" altLang="en-US" sz="1100" dirty="0">
-                <a:latin typeface="Arial" panose="020B0604020202020204" pitchFamily="34" charset="0"/>
+                <a:latin typeface="+mn-lt"/>
                 <a:ea typeface="Amazon Ember" panose="020B0603020204020204" pitchFamily="34" charset="0"/>
                 <a:cs typeface="Arial" panose="020B0604020202020204" pitchFamily="34" charset="0"/>
               </a:rPr>
-              <a:t>Management/</a:t>
+              <a:t>Management</a:t>
             </a:r>
             <a:br>
               <a:rPr lang="en-US" altLang="en-US" sz="1100" dirty="0">
-                <a:latin typeface="Arial" panose="020B0604020202020204" pitchFamily="34" charset="0"/>
+                <a:latin typeface="+mn-lt"/>
                 <a:ea typeface="Amazon Ember" panose="020B0603020204020204" pitchFamily="34" charset="0"/>
                 <a:cs typeface="Arial" panose="020B0604020202020204" pitchFamily="34" charset="0"/>
               </a:rPr>
             </a:br>
             <a:r>
               <a:rPr lang="en-US" altLang="en-US" sz="1100" dirty="0">
-                <a:latin typeface="Arial" panose="020B0604020202020204" pitchFamily="34" charset="0"/>
+                <a:latin typeface="+mn-lt"/>
                 <a:ea typeface="Amazon Ember" panose="020B0603020204020204" pitchFamily="34" charset="0"/>
                 <a:cs typeface="Arial" panose="020B0604020202020204" pitchFamily="34" charset="0"/>
               </a:rPr>
-              <a:t>witness  </a:t>
+              <a:t>or witness  </a:t>
             </a:r>
             <a:br>
               <a:rPr lang="en-US" altLang="en-US" sz="1100" dirty="0">
-                <a:latin typeface="Arial" panose="020B0604020202020204" pitchFamily="34" charset="0"/>
+                <a:latin typeface="+mn-lt"/>
                 <a:ea typeface="Amazon Ember" panose="020B0603020204020204" pitchFamily="34" charset="0"/>
                 <a:cs typeface="Arial" panose="020B0604020202020204" pitchFamily="34" charset="0"/>
               </a:rPr>
             </a:br>
             <a:r>
               <a:rPr lang="en-US" altLang="en-US" sz="1100" dirty="0">
-                <a:latin typeface="Arial" panose="020B0604020202020204" pitchFamily="34" charset="0"/>
+                <a:latin typeface="+mn-lt"/>
                 <a:ea typeface="Amazon Ember" panose="020B0603020204020204" pitchFamily="34" charset="0"/>
                 <a:cs typeface="Arial" panose="020B0604020202020204" pitchFamily="34" charset="0"/>
               </a:rPr>
@@ -4023,7 +4034,7 @@
         </p:blipFill>
         <p:spPr bwMode="auto">
           <a:xfrm>
-            <a:off x="5243261" y="4046449"/>
+            <a:off x="6585150" y="4084157"/>
             <a:ext cx="457200" cy="457200"/>
           </a:xfrm>
           <a:prstGeom prst="rect">
@@ -4083,7 +4094,7 @@
         </p:blipFill>
         <p:spPr bwMode="auto">
           <a:xfrm>
-            <a:off x="4118317" y="4046449"/>
+            <a:off x="5460206" y="4084157"/>
             <a:ext cx="457200" cy="457200"/>
           </a:xfrm>
           <a:prstGeom prst="rect">
@@ -4125,13 +4136,15 @@
           </p:cNvPr>
           <p:cNvCxnSpPr>
             <a:cxnSpLocks/>
+            <a:stCxn id="51" idx="3"/>
+            <a:endCxn id="121" idx="1"/>
           </p:cNvCxnSpPr>
           <p:nvPr/>
         </p:nvCxnSpPr>
         <p:spPr>
           <a:xfrm>
-            <a:off x="2371993" y="5274176"/>
-            <a:ext cx="5127480" cy="0"/>
+            <a:off x="2345203" y="5434142"/>
+            <a:ext cx="6595841" cy="0"/>
           </a:xfrm>
           <a:prstGeom prst="straightConnector1">
             <a:avLst/>
@@ -4170,13 +4183,15 @@
           </p:cNvPr>
           <p:cNvCxnSpPr>
             <a:cxnSpLocks/>
+            <a:stCxn id="47" idx="3"/>
+            <a:endCxn id="141" idx="1"/>
           </p:cNvCxnSpPr>
           <p:nvPr/>
         </p:nvCxnSpPr>
         <p:spPr>
           <a:xfrm>
-            <a:off x="2922970" y="4274117"/>
-            <a:ext cx="1117124" cy="0"/>
+            <a:off x="2829193" y="4312757"/>
+            <a:ext cx="2631013" cy="0"/>
           </a:xfrm>
           <a:prstGeom prst="straightConnector1">
             <a:avLst/>
@@ -4215,13 +4230,15 @@
           </p:cNvPr>
           <p:cNvCxnSpPr>
             <a:cxnSpLocks/>
+            <a:stCxn id="134" idx="3"/>
+            <a:endCxn id="140" idx="1"/>
           </p:cNvCxnSpPr>
           <p:nvPr/>
         </p:nvCxnSpPr>
         <p:spPr>
           <a:xfrm>
-            <a:off x="5789880" y="4271393"/>
-            <a:ext cx="1117124" cy="0"/>
+            <a:off x="7042350" y="4312757"/>
+            <a:ext cx="1290845" cy="0"/>
           </a:xfrm>
           <a:prstGeom prst="straightConnector1">
             <a:avLst/>
@@ -4249,6 +4266,426 @@
           </a:fontRef>
         </p:style>
       </p:cxnSp>
+      <p:pic>
+        <p:nvPicPr>
+          <p:cNvPr id="49" name="Graphic 3">
+            <a:extLst>
+              <a:ext uri="{FF2B5EF4-FFF2-40B4-BE49-F238E27FC236}">
+                <a16:creationId xmlns:a16="http://schemas.microsoft.com/office/drawing/2014/main" id="{178E74E1-4975-49B7-AA60-E4A94C4F6B2B}"/>
+              </a:ext>
+            </a:extLst>
+          </p:cNvPr>
+          <p:cNvPicPr>
+            <a:picLocks noChangeAspect="1"/>
+          </p:cNvPicPr>
+          <p:nvPr/>
+        </p:nvPicPr>
+        <p:blipFill>
+          <a:blip r:embed="rId12">
+            <a:extLst>
+              <a:ext uri="{96DAC541-7B7A-43D3-8B79-37D633B846F1}">
+                <asvg:svgBlip xmlns:asvg="http://schemas.microsoft.com/office/drawing/2016/SVG/main" r:embed="rId13"/>
+              </a:ext>
+            </a:extLst>
+          </a:blip>
+          <a:stretch>
+            <a:fillRect/>
+          </a:stretch>
+        </p:blipFill>
+        <p:spPr>
+          <a:xfrm>
+            <a:off x="4071315" y="1600200"/>
+            <a:ext cx="330200" cy="330200"/>
+          </a:xfrm>
+          <a:prstGeom prst="rect">
+            <a:avLst/>
+          </a:prstGeom>
+        </p:spPr>
+      </p:pic>
+      <p:pic>
+        <p:nvPicPr>
+          <p:cNvPr id="52" name="Graphic 135">
+            <a:extLst>
+              <a:ext uri="{FF2B5EF4-FFF2-40B4-BE49-F238E27FC236}">
+                <a16:creationId xmlns:a16="http://schemas.microsoft.com/office/drawing/2014/main" id="{7FAAD798-348F-4D4A-8289-793E6733D316}"/>
+              </a:ext>
+            </a:extLst>
+          </p:cNvPr>
+          <p:cNvPicPr>
+            <a:picLocks noChangeAspect="1"/>
+          </p:cNvPicPr>
+          <p:nvPr/>
+        </p:nvPicPr>
+        <p:blipFill>
+          <a:blip r:embed="rId14">
+            <a:extLst>
+              <a:ext uri="{96DAC541-7B7A-43D3-8B79-37D633B846F1}">
+                <asvg:svgBlip xmlns:asvg="http://schemas.microsoft.com/office/drawing/2016/SVG/main" r:embed="rId15"/>
+              </a:ext>
+            </a:extLst>
+          </a:blip>
+          <a:stretch>
+            <a:fillRect/>
+          </a:stretch>
+        </p:blipFill>
+        <p:spPr>
+          <a:xfrm>
+            <a:off x="2345587" y="1783138"/>
+            <a:ext cx="469900" cy="469900"/>
+          </a:xfrm>
+          <a:prstGeom prst="rect">
+            <a:avLst/>
+          </a:prstGeom>
+        </p:spPr>
+      </p:pic>
+      <p:sp>
+        <p:nvSpPr>
+          <p:cNvPr id="53" name="TextBox 52">
+            <a:extLst>
+              <a:ext uri="{FF2B5EF4-FFF2-40B4-BE49-F238E27FC236}">
+                <a16:creationId xmlns:a16="http://schemas.microsoft.com/office/drawing/2014/main" id="{65C8C63D-5EC8-4619-8E8F-50BC781C9AA0}"/>
+              </a:ext>
+            </a:extLst>
+          </p:cNvPr>
+          <p:cNvSpPr txBox="1"/>
+          <p:nvPr/>
+        </p:nvSpPr>
+        <p:spPr>
+          <a:xfrm>
+            <a:off x="1839495" y="2268379"/>
+            <a:ext cx="1513305" cy="261610"/>
+          </a:xfrm>
+          <a:prstGeom prst="rect">
+            <a:avLst/>
+          </a:prstGeom>
+          <a:noFill/>
+        </p:spPr>
+        <p:txBody>
+          <a:bodyPr wrap="square" rtlCol="0">
+            <a:spAutoFit/>
+          </a:bodyPr>
+          <a:lstStyle/>
+          <a:p>
+            <a:pPr algn="ctr"/>
+            <a:r>
+              <a:rPr lang="en-US" sz="1100" dirty="0">
+                <a:ea typeface="Amazon Ember" panose="020B0603020204020204" pitchFamily="34" charset="0"/>
+                <a:cs typeface="Amazon Ember" panose="020B0603020204020204" pitchFamily="34" charset="0"/>
+              </a:rPr>
+              <a:t>RD Gateway</a:t>
+            </a:r>
+          </a:p>
+        </p:txBody>
+      </p:sp>
+      <p:sp>
+        <p:nvSpPr>
+          <p:cNvPr id="54" name="TextBox 53">
+            <a:extLst>
+              <a:ext uri="{FF2B5EF4-FFF2-40B4-BE49-F238E27FC236}">
+                <a16:creationId xmlns:a16="http://schemas.microsoft.com/office/drawing/2014/main" id="{0679E16E-60B1-42E4-A4F7-FD4A7E54D843}"/>
+              </a:ext>
+            </a:extLst>
+          </p:cNvPr>
+          <p:cNvSpPr txBox="1"/>
+          <p:nvPr/>
+        </p:nvSpPr>
+        <p:spPr>
+          <a:xfrm>
+            <a:off x="5151889" y="2268379"/>
+            <a:ext cx="1513305" cy="261610"/>
+          </a:xfrm>
+          <a:prstGeom prst="rect">
+            <a:avLst/>
+          </a:prstGeom>
+          <a:noFill/>
+          <a:effectLst>
+            <a:softEdge rad="0"/>
+          </a:effectLst>
+        </p:spPr>
+        <p:txBody>
+          <a:bodyPr wrap="square" rtlCol="0">
+            <a:spAutoFit/>
+          </a:bodyPr>
+          <a:lstStyle/>
+          <a:p>
+            <a:pPr algn="ctr"/>
+            <a:r>
+              <a:rPr lang="en-US" sz="1100" dirty="0">
+                <a:ea typeface="Amazon Ember" panose="020B0603020204020204" pitchFamily="34" charset="0"/>
+                <a:cs typeface="Amazon Ember" panose="020B0603020204020204" pitchFamily="34" charset="0"/>
+              </a:rPr>
+              <a:t>RD Gateway</a:t>
+            </a:r>
+          </a:p>
+        </p:txBody>
+      </p:sp>
+      <p:pic>
+        <p:nvPicPr>
+          <p:cNvPr id="55" name="Graphic 43">
+            <a:extLst>
+              <a:ext uri="{FF2B5EF4-FFF2-40B4-BE49-F238E27FC236}">
+                <a16:creationId xmlns:a16="http://schemas.microsoft.com/office/drawing/2014/main" id="{ECF1465B-8468-4FA3-9EA4-A6D06496A33B}"/>
+              </a:ext>
+            </a:extLst>
+          </p:cNvPr>
+          <p:cNvPicPr>
+            <a:picLocks noChangeAspect="1"/>
+          </p:cNvPicPr>
+          <p:nvPr/>
+        </p:nvPicPr>
+        <p:blipFill>
+          <a:blip r:embed="rId16">
+            <a:extLst>
+              <a:ext uri="{BEBA8EAE-BF5A-486C-A8C5-ECC9F3942E4B}">
+                <a14:imgProps xmlns:a14="http://schemas.microsoft.com/office/drawing/2010/main">
+                  <a14:imgLayer r:embed="rId17">
+                    <a14:imgEffect>
+                      <a14:artisticBlur/>
+                    </a14:imgEffect>
+                  </a14:imgLayer>
+                </a14:imgProps>
+              </a:ext>
+            </a:extLst>
+          </a:blip>
+          <a:stretch>
+            <a:fillRect/>
+          </a:stretch>
+        </p:blipFill>
+        <p:spPr>
+          <a:xfrm>
+            <a:off x="5673591" y="1783138"/>
+            <a:ext cx="469900" cy="469900"/>
+          </a:xfrm>
+          <a:prstGeom prst="rect">
+            <a:avLst/>
+          </a:prstGeom>
+        </p:spPr>
+      </p:pic>
+      <p:sp>
+        <p:nvSpPr>
+          <p:cNvPr id="70" name="TextBox 69">
+            <a:extLst>
+              <a:ext uri="{FF2B5EF4-FFF2-40B4-BE49-F238E27FC236}">
+                <a16:creationId xmlns:a16="http://schemas.microsoft.com/office/drawing/2014/main" id="{41A123CA-0CE0-465E-8920-59EAC9125995}"/>
+              </a:ext>
+            </a:extLst>
+          </p:cNvPr>
+          <p:cNvSpPr txBox="1"/>
+          <p:nvPr/>
+        </p:nvSpPr>
+        <p:spPr>
+          <a:xfrm>
+            <a:off x="897158" y="2268379"/>
+            <a:ext cx="1236442" cy="261610"/>
+          </a:xfrm>
+          <a:prstGeom prst="rect">
+            <a:avLst/>
+          </a:prstGeom>
+          <a:noFill/>
+        </p:spPr>
+        <p:txBody>
+          <a:bodyPr wrap="square" rtlCol="0">
+            <a:spAutoFit/>
+          </a:bodyPr>
+          <a:lstStyle/>
+          <a:p>
+            <a:pPr algn="ctr"/>
+            <a:r>
+              <a:rPr lang="en-US" sz="1100" dirty="0">
+                <a:ea typeface="Amazon Ember" panose="020B0603020204020204" pitchFamily="34" charset="0"/>
+                <a:cs typeface="Amazon Ember" panose="020B0603020204020204" pitchFamily="34" charset="0"/>
+              </a:rPr>
+              <a:t>NAT gateway</a:t>
+            </a:r>
+          </a:p>
+        </p:txBody>
+      </p:sp>
+      <p:pic>
+        <p:nvPicPr>
+          <p:cNvPr id="71" name="Graphic 40">
+            <a:extLst>
+              <a:ext uri="{FF2B5EF4-FFF2-40B4-BE49-F238E27FC236}">
+                <a16:creationId xmlns:a16="http://schemas.microsoft.com/office/drawing/2014/main" id="{0E98A657-C8B3-4F7A-8240-13E58E706E04}"/>
+              </a:ext>
+            </a:extLst>
+          </p:cNvPr>
+          <p:cNvPicPr>
+            <a:picLocks noChangeAspect="1"/>
+          </p:cNvPicPr>
+          <p:nvPr/>
+        </p:nvPicPr>
+        <p:blipFill>
+          <a:blip r:embed="rId18">
+            <a:extLst>
+              <a:ext uri="{96DAC541-7B7A-43D3-8B79-37D633B846F1}">
+                <asvg:svgBlip xmlns:asvg="http://schemas.microsoft.com/office/drawing/2016/SVG/main" r:embed="rId19"/>
+              </a:ext>
+            </a:extLst>
+          </a:blip>
+          <a:stretch>
+            <a:fillRect/>
+          </a:stretch>
+        </p:blipFill>
+        <p:spPr>
+          <a:xfrm>
+            <a:off x="1280429" y="1783138"/>
+            <a:ext cx="469900" cy="469900"/>
+          </a:xfrm>
+          <a:prstGeom prst="rect">
+            <a:avLst/>
+          </a:prstGeom>
+        </p:spPr>
+      </p:pic>
+      <p:sp>
+        <p:nvSpPr>
+          <p:cNvPr id="72" name="TextBox 71">
+            <a:extLst>
+              <a:ext uri="{FF2B5EF4-FFF2-40B4-BE49-F238E27FC236}">
+                <a16:creationId xmlns:a16="http://schemas.microsoft.com/office/drawing/2014/main" id="{E5062E4D-DEE2-483B-B704-478895B4FD0D}"/>
+              </a:ext>
+            </a:extLst>
+          </p:cNvPr>
+          <p:cNvSpPr txBox="1"/>
+          <p:nvPr/>
+        </p:nvSpPr>
+        <p:spPr>
+          <a:xfrm>
+            <a:off x="6371089" y="2268379"/>
+            <a:ext cx="1236442" cy="261610"/>
+          </a:xfrm>
+          <a:prstGeom prst="rect">
+            <a:avLst/>
+          </a:prstGeom>
+          <a:noFill/>
+        </p:spPr>
+        <p:txBody>
+          <a:bodyPr wrap="square" rtlCol="0">
+            <a:spAutoFit/>
+          </a:bodyPr>
+          <a:lstStyle/>
+          <a:p>
+            <a:pPr algn="ctr"/>
+            <a:r>
+              <a:rPr lang="en-US" sz="1100" dirty="0">
+                <a:ea typeface="Amazon Ember" panose="020B0603020204020204" pitchFamily="34" charset="0"/>
+                <a:cs typeface="Amazon Ember" panose="020B0603020204020204" pitchFamily="34" charset="0"/>
+              </a:rPr>
+              <a:t>NAT gateway</a:t>
+            </a:r>
+          </a:p>
+        </p:txBody>
+      </p:sp>
+      <p:pic>
+        <p:nvPicPr>
+          <p:cNvPr id="73" name="Graphic 40">
+            <a:extLst>
+              <a:ext uri="{FF2B5EF4-FFF2-40B4-BE49-F238E27FC236}">
+                <a16:creationId xmlns:a16="http://schemas.microsoft.com/office/drawing/2014/main" id="{DF802C30-33E5-433C-9164-0B14FFE5917C}"/>
+              </a:ext>
+            </a:extLst>
+          </p:cNvPr>
+          <p:cNvPicPr>
+            <a:picLocks noChangeAspect="1"/>
+          </p:cNvPicPr>
+          <p:nvPr/>
+        </p:nvPicPr>
+        <p:blipFill>
+          <a:blip r:embed="rId18">
+            <a:extLst>
+              <a:ext uri="{96DAC541-7B7A-43D3-8B79-37D633B846F1}">
+                <asvg:svgBlip xmlns:asvg="http://schemas.microsoft.com/office/drawing/2016/SVG/main" r:embed="rId19"/>
+              </a:ext>
+            </a:extLst>
+          </a:blip>
+          <a:stretch>
+            <a:fillRect/>
+          </a:stretch>
+        </p:blipFill>
+        <p:spPr>
+          <a:xfrm>
+            <a:off x="6754360" y="1783138"/>
+            <a:ext cx="469900" cy="469900"/>
+          </a:xfrm>
+          <a:prstGeom prst="rect">
+            <a:avLst/>
+          </a:prstGeom>
+        </p:spPr>
+      </p:pic>
+      <p:sp>
+        <p:nvSpPr>
+          <p:cNvPr id="74" name="TextBox 73">
+            <a:extLst>
+              <a:ext uri="{FF2B5EF4-FFF2-40B4-BE49-F238E27FC236}">
+                <a16:creationId xmlns:a16="http://schemas.microsoft.com/office/drawing/2014/main" id="{6176709F-8E7B-418A-A058-DF8A216B115B}"/>
+              </a:ext>
+            </a:extLst>
+          </p:cNvPr>
+          <p:cNvSpPr txBox="1"/>
+          <p:nvPr/>
+        </p:nvSpPr>
+        <p:spPr>
+          <a:xfrm>
+            <a:off x="8563647" y="2268379"/>
+            <a:ext cx="1236442" cy="261610"/>
+          </a:xfrm>
+          <a:prstGeom prst="rect">
+            <a:avLst/>
+          </a:prstGeom>
+          <a:noFill/>
+        </p:spPr>
+        <p:txBody>
+          <a:bodyPr wrap="square" rtlCol="0">
+            <a:spAutoFit/>
+          </a:bodyPr>
+          <a:lstStyle/>
+          <a:p>
+            <a:pPr algn="ctr"/>
+            <a:r>
+              <a:rPr lang="en-US" sz="1100" dirty="0">
+                <a:ea typeface="Amazon Ember" panose="020B0603020204020204" pitchFamily="34" charset="0"/>
+                <a:cs typeface="Amazon Ember" panose="020B0603020204020204" pitchFamily="34" charset="0"/>
+              </a:rPr>
+              <a:t>NAT gateway</a:t>
+            </a:r>
+          </a:p>
+        </p:txBody>
+      </p:sp>
+      <p:pic>
+        <p:nvPicPr>
+          <p:cNvPr id="75" name="Graphic 40">
+            <a:extLst>
+              <a:ext uri="{FF2B5EF4-FFF2-40B4-BE49-F238E27FC236}">
+                <a16:creationId xmlns:a16="http://schemas.microsoft.com/office/drawing/2014/main" id="{16FF2226-B258-4B34-909C-2D9F48E03C06}"/>
+              </a:ext>
+            </a:extLst>
+          </p:cNvPr>
+          <p:cNvPicPr>
+            <a:picLocks noChangeAspect="1"/>
+          </p:cNvPicPr>
+          <p:nvPr/>
+        </p:nvPicPr>
+        <p:blipFill>
+          <a:blip r:embed="rId18">
+            <a:extLst>
+              <a:ext uri="{96DAC541-7B7A-43D3-8B79-37D633B846F1}">
+                <asvg:svgBlip xmlns:asvg="http://schemas.microsoft.com/office/drawing/2016/SVG/main" r:embed="rId19"/>
+              </a:ext>
+            </a:extLst>
+          </a:blip>
+          <a:stretch>
+            <a:fillRect/>
+          </a:stretch>
+        </p:blipFill>
+        <p:spPr>
+          <a:xfrm>
+            <a:off x="8946918" y="1783138"/>
+            <a:ext cx="469900" cy="469900"/>
+          </a:xfrm>
+          <a:prstGeom prst="rect">
+            <a:avLst/>
+          </a:prstGeom>
+        </p:spPr>
+      </p:pic>
       <p:sp>
         <p:nvSpPr>
           <p:cNvPr id="48" name="Rectangle 47">
@@ -4263,8 +4700,8 @@
         </p:nvSpPr>
         <p:spPr>
           <a:xfrm>
-            <a:off x="1763295" y="1600200"/>
-            <a:ext cx="3657600" cy="1143000"/>
+            <a:off x="2014881" y="1600200"/>
+            <a:ext cx="4443069" cy="1018561"/>
           </a:xfrm>
           <a:prstGeom prst="rect">
             <a:avLst/>
@@ -4307,7 +4744,6 @@
               <a:solidFill>
                 <a:srgbClr val="D86613"/>
               </a:solidFill>
-              <a:latin typeface="Amazon Ember" panose="020B0603020204020204" pitchFamily="34" charset="0"/>
               <a:ea typeface="Amazon Ember" panose="020B0603020204020204" pitchFamily="34" charset="0"/>
               <a:cs typeface="Amazon Ember" panose="020B0603020204020204" pitchFamily="34" charset="0"/>
             </a:endParaRPr>
@@ -4318,7 +4754,6 @@
               <a:solidFill>
                 <a:srgbClr val="D86613"/>
               </a:solidFill>
-              <a:latin typeface="Amazon Ember" panose="020B0603020204020204" pitchFamily="34" charset="0"/>
               <a:ea typeface="Amazon Ember" panose="020B0603020204020204" pitchFamily="34" charset="0"/>
               <a:cs typeface="Amazon Ember" panose="020B0603020204020204" pitchFamily="34" charset="0"/>
             </a:endParaRPr>
@@ -4326,11 +4761,10 @@
           <a:p>
             <a:pPr algn="ctr"/>
             <a:r>
-              <a:rPr lang="en-US" sz="1000" dirty="0">
+              <a:rPr lang="en-US" sz="1200" dirty="0">
                 <a:solidFill>
                   <a:srgbClr val="D86613"/>
                 </a:solidFill>
-                <a:latin typeface="Amazon Ember" panose="020B0603020204020204" pitchFamily="34" charset="0"/>
                 <a:ea typeface="Amazon Ember" panose="020B0603020204020204" pitchFamily="34" charset="0"/>
                 <a:cs typeface="Amazon Ember" panose="020B0603020204020204" pitchFamily="34" charset="0"/>
               </a:rPr>
@@ -4339,431 +4773,6 @@
           </a:p>
         </p:txBody>
       </p:sp>
-      <p:pic>
-        <p:nvPicPr>
-          <p:cNvPr id="49" name="Graphic 3">
-            <a:extLst>
-              <a:ext uri="{FF2B5EF4-FFF2-40B4-BE49-F238E27FC236}">
-                <a16:creationId xmlns:a16="http://schemas.microsoft.com/office/drawing/2014/main" id="{178E74E1-4975-49B7-AA60-E4A94C4F6B2B}"/>
-              </a:ext>
-            </a:extLst>
-          </p:cNvPr>
-          <p:cNvPicPr>
-            <a:picLocks noChangeAspect="1"/>
-          </p:cNvPicPr>
-          <p:nvPr/>
-        </p:nvPicPr>
-        <p:blipFill>
-          <a:blip r:embed="rId12">
-            <a:extLst>
-              <a:ext uri="{96DAC541-7B7A-43D3-8B79-37D633B846F1}">
-                <asvg:svgBlip xmlns:asvg="http://schemas.microsoft.com/office/drawing/2016/SVG/main" r:embed="rId13"/>
-              </a:ext>
-            </a:extLst>
-          </a:blip>
-          <a:stretch>
-            <a:fillRect/>
-          </a:stretch>
-        </p:blipFill>
-        <p:spPr>
-          <a:xfrm>
-            <a:off x="3419178" y="1600200"/>
-            <a:ext cx="330200" cy="330200"/>
-          </a:xfrm>
-          <a:prstGeom prst="rect">
-            <a:avLst/>
-          </a:prstGeom>
-        </p:spPr>
-      </p:pic>
-      <p:pic>
-        <p:nvPicPr>
-          <p:cNvPr id="52" name="Graphic 135">
-            <a:extLst>
-              <a:ext uri="{FF2B5EF4-FFF2-40B4-BE49-F238E27FC236}">
-                <a16:creationId xmlns:a16="http://schemas.microsoft.com/office/drawing/2014/main" id="{7FAAD798-348F-4D4A-8289-793E6733D316}"/>
-              </a:ext>
-            </a:extLst>
-          </p:cNvPr>
-          <p:cNvPicPr>
-            <a:picLocks noChangeAspect="1"/>
-          </p:cNvPicPr>
-          <p:nvPr/>
-        </p:nvPicPr>
-        <p:blipFill>
-          <a:blip r:embed="rId14">
-            <a:extLst>
-              <a:ext uri="{96DAC541-7B7A-43D3-8B79-37D633B846F1}">
-                <asvg:svgBlip xmlns:asvg="http://schemas.microsoft.com/office/drawing/2016/SVG/main" r:embed="rId15"/>
-              </a:ext>
-            </a:extLst>
-          </a:blip>
-          <a:stretch>
-            <a:fillRect/>
-          </a:stretch>
-        </p:blipFill>
-        <p:spPr>
-          <a:xfrm>
-            <a:off x="1980197" y="1866208"/>
-            <a:ext cx="469900" cy="469900"/>
-          </a:xfrm>
-          <a:prstGeom prst="rect">
-            <a:avLst/>
-          </a:prstGeom>
-        </p:spPr>
-      </p:pic>
-      <p:sp>
-        <p:nvSpPr>
-          <p:cNvPr id="53" name="TextBox 52">
-            <a:extLst>
-              <a:ext uri="{FF2B5EF4-FFF2-40B4-BE49-F238E27FC236}">
-                <a16:creationId xmlns:a16="http://schemas.microsoft.com/office/drawing/2014/main" id="{65C8C63D-5EC8-4619-8E8F-50BC781C9AA0}"/>
-              </a:ext>
-            </a:extLst>
-          </p:cNvPr>
-          <p:cNvSpPr txBox="1"/>
-          <p:nvPr/>
-        </p:nvSpPr>
-        <p:spPr>
-          <a:xfrm>
-            <a:off x="1458495" y="2311617"/>
-            <a:ext cx="1513305" cy="246221"/>
-          </a:xfrm>
-          <a:prstGeom prst="rect">
-            <a:avLst/>
-          </a:prstGeom>
-          <a:noFill/>
-        </p:spPr>
-        <p:txBody>
-          <a:bodyPr wrap="square" rtlCol="0">
-            <a:spAutoFit/>
-          </a:bodyPr>
-          <a:lstStyle/>
-          <a:p>
-            <a:pPr algn="ctr"/>
-            <a:r>
-              <a:rPr lang="en-US" sz="1000" dirty="0">
-                <a:latin typeface="Amazon Ember" panose="020B0603020204020204" pitchFamily="34" charset="0"/>
-                <a:ea typeface="Amazon Ember" panose="020B0603020204020204" pitchFamily="34" charset="0"/>
-                <a:cs typeface="Amazon Ember" panose="020B0603020204020204" pitchFamily="34" charset="0"/>
-              </a:rPr>
-              <a:t>RD Gateway</a:t>
-            </a:r>
-          </a:p>
-        </p:txBody>
-      </p:sp>
-      <p:sp>
-        <p:nvSpPr>
-          <p:cNvPr id="54" name="TextBox 53">
-            <a:extLst>
-              <a:ext uri="{FF2B5EF4-FFF2-40B4-BE49-F238E27FC236}">
-                <a16:creationId xmlns:a16="http://schemas.microsoft.com/office/drawing/2014/main" id="{0679E16E-60B1-42E4-A4F7-FD4A7E54D843}"/>
-              </a:ext>
-            </a:extLst>
-          </p:cNvPr>
-          <p:cNvSpPr txBox="1"/>
-          <p:nvPr/>
-        </p:nvSpPr>
-        <p:spPr>
-          <a:xfrm>
-            <a:off x="4125495" y="2344579"/>
-            <a:ext cx="1513305" cy="246221"/>
-          </a:xfrm>
-          <a:prstGeom prst="rect">
-            <a:avLst/>
-          </a:prstGeom>
-          <a:noFill/>
-          <a:effectLst>
-            <a:softEdge rad="0"/>
-          </a:effectLst>
-        </p:spPr>
-        <p:txBody>
-          <a:bodyPr wrap="square" rtlCol="0">
-            <a:spAutoFit/>
-          </a:bodyPr>
-          <a:lstStyle/>
-          <a:p>
-            <a:pPr algn="ctr"/>
-            <a:r>
-              <a:rPr lang="en-US" sz="1000" dirty="0">
-                <a:latin typeface="Amazon Ember" panose="020B0603020204020204" pitchFamily="34" charset="0"/>
-                <a:ea typeface="Amazon Ember" panose="020B0603020204020204" pitchFamily="34" charset="0"/>
-                <a:cs typeface="Amazon Ember" panose="020B0603020204020204" pitchFamily="34" charset="0"/>
-              </a:rPr>
-              <a:t>RD Gateway</a:t>
-            </a:r>
-          </a:p>
-        </p:txBody>
-      </p:sp>
-      <p:pic>
-        <p:nvPicPr>
-          <p:cNvPr id="55" name="Graphic 43">
-            <a:extLst>
-              <a:ext uri="{FF2B5EF4-FFF2-40B4-BE49-F238E27FC236}">
-                <a16:creationId xmlns:a16="http://schemas.microsoft.com/office/drawing/2014/main" id="{ECF1465B-8468-4FA3-9EA4-A6D06496A33B}"/>
-              </a:ext>
-            </a:extLst>
-          </p:cNvPr>
-          <p:cNvPicPr>
-            <a:picLocks noChangeAspect="1"/>
-          </p:cNvPicPr>
-          <p:nvPr/>
-        </p:nvPicPr>
-        <p:blipFill>
-          <a:blip r:embed="rId16">
-            <a:extLst>
-              <a:ext uri="{BEBA8EAE-BF5A-486C-A8C5-ECC9F3942E4B}">
-                <a14:imgProps xmlns:a14="http://schemas.microsoft.com/office/drawing/2010/main">
-                  <a14:imgLayer r:embed="rId17">
-                    <a14:imgEffect>
-                      <a14:artisticPhotocopy/>
-                    </a14:imgEffect>
-                  </a14:imgLayer>
-                </a14:imgProps>
-              </a:ext>
-            </a:extLst>
-          </a:blip>
-          <a:stretch>
-            <a:fillRect/>
-          </a:stretch>
-        </p:blipFill>
-        <p:spPr>
-          <a:xfrm>
-            <a:off x="4646195" y="1892300"/>
-            <a:ext cx="469900" cy="469900"/>
-          </a:xfrm>
-          <a:prstGeom prst="rect">
-            <a:avLst/>
-          </a:prstGeom>
-        </p:spPr>
-      </p:pic>
-      <p:sp>
-        <p:nvSpPr>
-          <p:cNvPr id="70" name="TextBox 69">
-            <a:extLst>
-              <a:ext uri="{FF2B5EF4-FFF2-40B4-BE49-F238E27FC236}">
-                <a16:creationId xmlns:a16="http://schemas.microsoft.com/office/drawing/2014/main" id="{41A123CA-0CE0-465E-8920-59EAC9125995}"/>
-              </a:ext>
-            </a:extLst>
-          </p:cNvPr>
-          <p:cNvSpPr txBox="1"/>
-          <p:nvPr/>
-        </p:nvSpPr>
-        <p:spPr>
-          <a:xfrm>
-            <a:off x="685800" y="2344579"/>
-            <a:ext cx="1236442" cy="246221"/>
-          </a:xfrm>
-          <a:prstGeom prst="rect">
-            <a:avLst/>
-          </a:prstGeom>
-          <a:noFill/>
-        </p:spPr>
-        <p:txBody>
-          <a:bodyPr wrap="square" rtlCol="0">
-            <a:spAutoFit/>
-          </a:bodyPr>
-          <a:lstStyle/>
-          <a:p>
-            <a:pPr algn="ctr"/>
-            <a:r>
-              <a:rPr lang="en-US" sz="1000" dirty="0">
-                <a:latin typeface="Amazon Ember" panose="020B0603020204020204" pitchFamily="34" charset="0"/>
-                <a:ea typeface="Amazon Ember" panose="020B0603020204020204" pitchFamily="34" charset="0"/>
-                <a:cs typeface="Amazon Ember" panose="020B0603020204020204" pitchFamily="34" charset="0"/>
-              </a:rPr>
-              <a:t>NAT gateway</a:t>
-            </a:r>
-          </a:p>
-        </p:txBody>
-      </p:sp>
-      <p:pic>
-        <p:nvPicPr>
-          <p:cNvPr id="71" name="Graphic 40">
-            <a:extLst>
-              <a:ext uri="{FF2B5EF4-FFF2-40B4-BE49-F238E27FC236}">
-                <a16:creationId xmlns:a16="http://schemas.microsoft.com/office/drawing/2014/main" id="{0E98A657-C8B3-4F7A-8240-13E58E706E04}"/>
-              </a:ext>
-            </a:extLst>
-          </p:cNvPr>
-          <p:cNvPicPr>
-            <a:picLocks noChangeAspect="1"/>
-          </p:cNvPicPr>
-          <p:nvPr/>
-        </p:nvPicPr>
-        <p:blipFill>
-          <a:blip r:embed="rId18">
-            <a:extLst>
-              <a:ext uri="{96DAC541-7B7A-43D3-8B79-37D633B846F1}">
-                <asvg:svgBlip xmlns:asvg="http://schemas.microsoft.com/office/drawing/2016/SVG/main" r:embed="rId19"/>
-              </a:ext>
-            </a:extLst>
-          </a:blip>
-          <a:stretch>
-            <a:fillRect/>
-          </a:stretch>
-        </p:blipFill>
-        <p:spPr>
-          <a:xfrm>
-            <a:off x="1069071" y="1859338"/>
-            <a:ext cx="469900" cy="469900"/>
-          </a:xfrm>
-          <a:prstGeom prst="rect">
-            <a:avLst/>
-          </a:prstGeom>
-        </p:spPr>
-      </p:pic>
-      <p:sp>
-        <p:nvSpPr>
-          <p:cNvPr id="72" name="TextBox 71">
-            <a:extLst>
-              <a:ext uri="{FF2B5EF4-FFF2-40B4-BE49-F238E27FC236}">
-                <a16:creationId xmlns:a16="http://schemas.microsoft.com/office/drawing/2014/main" id="{E5062E4D-DEE2-483B-B704-478895B4FD0D}"/>
-              </a:ext>
-            </a:extLst>
-          </p:cNvPr>
-          <p:cNvSpPr txBox="1"/>
-          <p:nvPr/>
-        </p:nvSpPr>
-        <p:spPr>
-          <a:xfrm>
-            <a:off x="5240558" y="2344579"/>
-            <a:ext cx="1236442" cy="246221"/>
-          </a:xfrm>
-          <a:prstGeom prst="rect">
-            <a:avLst/>
-          </a:prstGeom>
-          <a:noFill/>
-        </p:spPr>
-        <p:txBody>
-          <a:bodyPr wrap="square" rtlCol="0">
-            <a:spAutoFit/>
-          </a:bodyPr>
-          <a:lstStyle/>
-          <a:p>
-            <a:pPr algn="ctr"/>
-            <a:r>
-              <a:rPr lang="en-US" sz="1000" dirty="0">
-                <a:latin typeface="Amazon Ember" panose="020B0603020204020204" pitchFamily="34" charset="0"/>
-                <a:ea typeface="Amazon Ember" panose="020B0603020204020204" pitchFamily="34" charset="0"/>
-                <a:cs typeface="Amazon Ember" panose="020B0603020204020204" pitchFamily="34" charset="0"/>
-              </a:rPr>
-              <a:t>NAT gateway</a:t>
-            </a:r>
-          </a:p>
-        </p:txBody>
-      </p:sp>
-      <p:pic>
-        <p:nvPicPr>
-          <p:cNvPr id="73" name="Graphic 40">
-            <a:extLst>
-              <a:ext uri="{FF2B5EF4-FFF2-40B4-BE49-F238E27FC236}">
-                <a16:creationId xmlns:a16="http://schemas.microsoft.com/office/drawing/2014/main" id="{DF802C30-33E5-433C-9164-0B14FFE5917C}"/>
-              </a:ext>
-            </a:extLst>
-          </p:cNvPr>
-          <p:cNvPicPr>
-            <a:picLocks noChangeAspect="1"/>
-          </p:cNvPicPr>
-          <p:nvPr/>
-        </p:nvPicPr>
-        <p:blipFill>
-          <a:blip r:embed="rId18">
-            <a:extLst>
-              <a:ext uri="{96DAC541-7B7A-43D3-8B79-37D633B846F1}">
-                <asvg:svgBlip xmlns:asvg="http://schemas.microsoft.com/office/drawing/2016/SVG/main" r:embed="rId19"/>
-              </a:ext>
-            </a:extLst>
-          </a:blip>
-          <a:stretch>
-            <a:fillRect/>
-          </a:stretch>
-        </p:blipFill>
-        <p:spPr>
-          <a:xfrm>
-            <a:off x="5623829" y="1859338"/>
-            <a:ext cx="469900" cy="469900"/>
-          </a:xfrm>
-          <a:prstGeom prst="rect">
-            <a:avLst/>
-          </a:prstGeom>
-        </p:spPr>
-      </p:pic>
-      <p:sp>
-        <p:nvSpPr>
-          <p:cNvPr id="74" name="TextBox 73">
-            <a:extLst>
-              <a:ext uri="{FF2B5EF4-FFF2-40B4-BE49-F238E27FC236}">
-                <a16:creationId xmlns:a16="http://schemas.microsoft.com/office/drawing/2014/main" id="{6176709F-8E7B-418A-A058-DF8A216B115B}"/>
-              </a:ext>
-            </a:extLst>
-          </p:cNvPr>
-          <p:cNvSpPr txBox="1"/>
-          <p:nvPr/>
-        </p:nvSpPr>
-        <p:spPr>
-          <a:xfrm>
-            <a:off x="7221758" y="2344579"/>
-            <a:ext cx="1236442" cy="246221"/>
-          </a:xfrm>
-          <a:prstGeom prst="rect">
-            <a:avLst/>
-          </a:prstGeom>
-          <a:noFill/>
-        </p:spPr>
-        <p:txBody>
-          <a:bodyPr wrap="square" rtlCol="0">
-            <a:spAutoFit/>
-          </a:bodyPr>
-          <a:lstStyle/>
-          <a:p>
-            <a:pPr algn="ctr"/>
-            <a:r>
-              <a:rPr lang="en-US" sz="1000" dirty="0">
-                <a:latin typeface="Amazon Ember" panose="020B0603020204020204" pitchFamily="34" charset="0"/>
-                <a:ea typeface="Amazon Ember" panose="020B0603020204020204" pitchFamily="34" charset="0"/>
-                <a:cs typeface="Amazon Ember" panose="020B0603020204020204" pitchFamily="34" charset="0"/>
-              </a:rPr>
-              <a:t>NAT gateway</a:t>
-            </a:r>
-          </a:p>
-        </p:txBody>
-      </p:sp>
-      <p:pic>
-        <p:nvPicPr>
-          <p:cNvPr id="75" name="Graphic 40">
-            <a:extLst>
-              <a:ext uri="{FF2B5EF4-FFF2-40B4-BE49-F238E27FC236}">
-                <a16:creationId xmlns:a16="http://schemas.microsoft.com/office/drawing/2014/main" id="{16FF2226-B258-4B34-909C-2D9F48E03C06}"/>
-              </a:ext>
-            </a:extLst>
-          </p:cNvPr>
-          <p:cNvPicPr>
-            <a:picLocks noChangeAspect="1"/>
-          </p:cNvPicPr>
-          <p:nvPr/>
-        </p:nvPicPr>
-        <p:blipFill>
-          <a:blip r:embed="rId18">
-            <a:extLst>
-              <a:ext uri="{96DAC541-7B7A-43D3-8B79-37D633B846F1}">
-                <asvg:svgBlip xmlns:asvg="http://schemas.microsoft.com/office/drawing/2016/SVG/main" r:embed="rId19"/>
-              </a:ext>
-            </a:extLst>
-          </a:blip>
-          <a:stretch>
-            <a:fillRect/>
-          </a:stretch>
-        </p:blipFill>
-        <p:spPr>
-          <a:xfrm>
-            <a:off x="7605029" y="1859338"/>
-            <a:ext cx="469900" cy="469900"/>
-          </a:xfrm>
-          <a:prstGeom prst="rect">
-            <a:avLst/>
-          </a:prstGeom>
-        </p:spPr>
-      </p:pic>
     </p:spTree>
     <p:extLst>
       <p:ext uri="{BB962C8B-B14F-4D97-AF65-F5344CB8AC3E}">

--- a/docs/deployment_guide/images/starwind_qs_architecture_diagram.pptx
+++ b/docs/deployment_guide/images/starwind_qs_architecture_diagram.pptx
@@ -238,7 +238,7 @@
           <a:p>
             <a:fld id="{49A7721D-1176-A640-AC48-B82F78C92D56}" type="datetimeFigureOut">
               <a:rPr lang="en-US" smtClean="0"/>
-              <a:t>2/15/2022</a:t>
+              <a:t>2/17/2022</a:t>
             </a:fld>
             <a:endParaRPr lang="en-US" dirty="0"/>
           </a:p>
@@ -415,7 +415,7 @@
           <a:p>
             <a:fld id="{C884A089-FB25-6D46-9D21-F0F04A18BCA8}" type="datetimeFigureOut">
               <a:rPr lang="en-US" smtClean="0"/>
-              <a:t>2/15/2022</a:t>
+              <a:t>2/17/2022</a:t>
             </a:fld>
             <a:endParaRPr lang="en-US" dirty="0"/>
           </a:p>
@@ -1594,8 +1594,8 @@
         </p:nvSpPr>
         <p:spPr>
           <a:xfrm>
-            <a:off x="908988" y="4505227"/>
-            <a:ext cx="1124943" cy="430887"/>
+            <a:off x="858058" y="4533508"/>
+            <a:ext cx="1232435" cy="430887"/>
           </a:xfrm>
           <a:prstGeom prst="rect">
             <a:avLst/>
@@ -1613,7 +1613,7 @@
               <a:rPr lang="en-US" sz="1100" dirty="0">
                 <a:cs typeface="Arial" panose="020B0604020202020204" pitchFamily="34" charset="0"/>
               </a:rPr>
-              <a:t>StarWind storage node 1</a:t>
+              <a:t>StarWind VSAN storage node 1</a:t>
             </a:r>
           </a:p>
         </p:txBody>
@@ -1870,8 +1870,8 @@
         </p:nvSpPr>
         <p:spPr bwMode="auto">
           <a:xfrm>
-            <a:off x="1847014" y="4506814"/>
-            <a:ext cx="1507158" cy="600164"/>
+            <a:off x="1847014" y="4535095"/>
+            <a:ext cx="1507158" cy="430887"/>
           </a:xfrm>
           <a:prstGeom prst="rect">
             <a:avLst/>
@@ -2025,21 +2025,6 @@
                 <a:ea typeface="Amazon Ember" panose="020B0603020204020204" pitchFamily="34" charset="0"/>
                 <a:cs typeface="Arial" panose="020B0604020202020204" pitchFamily="34" charset="0"/>
               </a:rPr>
-              <a:t>or witness  </a:t>
-            </a:r>
-            <a:br>
-              <a:rPr lang="en-US" altLang="en-US" sz="1100" dirty="0">
-                <a:latin typeface="+mn-lt"/>
-                <a:ea typeface="Amazon Ember" panose="020B0603020204020204" pitchFamily="34" charset="0"/>
-                <a:cs typeface="Arial" panose="020B0604020202020204" pitchFamily="34" charset="0"/>
-              </a:rPr>
-            </a:br>
-            <a:r>
-              <a:rPr lang="en-US" altLang="en-US" sz="1100" dirty="0">
-                <a:latin typeface="+mn-lt"/>
-                <a:ea typeface="Amazon Ember" panose="020B0603020204020204" pitchFamily="34" charset="0"/>
-                <a:cs typeface="Arial" panose="020B0604020202020204" pitchFamily="34" charset="0"/>
-              </a:rPr>
               <a:t>network interface</a:t>
             </a:r>
           </a:p>
@@ -2074,7 +2059,7 @@
         </p:blipFill>
         <p:spPr bwMode="auto">
           <a:xfrm>
-            <a:off x="2371993" y="4084157"/>
+            <a:off x="2371993" y="4112438"/>
             <a:ext cx="457200" cy="457200"/>
           </a:xfrm>
           <a:prstGeom prst="rect">
@@ -2121,7 +2106,7 @@
         </p:nvSpPr>
         <p:spPr bwMode="auto">
           <a:xfrm>
-            <a:off x="1365023" y="5645475"/>
+            <a:off x="1365023" y="5541778"/>
             <a:ext cx="1503160" cy="430887"/>
           </a:xfrm>
           <a:prstGeom prst="rect">
@@ -2310,7 +2295,7 @@
         </p:blipFill>
         <p:spPr bwMode="auto">
           <a:xfrm>
-            <a:off x="1888003" y="5205542"/>
+            <a:off x="1888003" y="5101845"/>
             <a:ext cx="457200" cy="457200"/>
           </a:xfrm>
           <a:prstGeom prst="rect">
@@ -2370,7 +2355,7 @@
         </p:blipFill>
         <p:spPr bwMode="auto">
           <a:xfrm>
-            <a:off x="1247049" y="4084157"/>
+            <a:off x="1247049" y="4112438"/>
             <a:ext cx="457200" cy="457200"/>
           </a:xfrm>
           <a:prstGeom prst="rect">
@@ -2692,8 +2677,8 @@
         </p:nvSpPr>
         <p:spPr>
           <a:xfrm>
-            <a:off x="7980256" y="4505227"/>
-            <a:ext cx="1155530" cy="430887"/>
+            <a:off x="7939032" y="4533508"/>
+            <a:ext cx="1225035" cy="430887"/>
           </a:xfrm>
           <a:prstGeom prst="rect">
             <a:avLst/>
@@ -2711,7 +2696,7 @@
               <a:rPr lang="en-US" sz="1100" dirty="0">
                 <a:cs typeface="Arial" panose="020B0604020202020204" pitchFamily="34" charset="0"/>
               </a:rPr>
-              <a:t>StarWind storage node 2</a:t>
+              <a:t>StarWind VSAN storage node 2</a:t>
             </a:r>
           </a:p>
         </p:txBody>
@@ -2968,8 +2953,8 @@
         </p:nvSpPr>
         <p:spPr bwMode="auto">
           <a:xfrm>
-            <a:off x="8933160" y="4506814"/>
-            <a:ext cx="1507158" cy="600164"/>
+            <a:off x="8933160" y="4535095"/>
+            <a:ext cx="1507158" cy="430887"/>
           </a:xfrm>
           <a:prstGeom prst="rect">
             <a:avLst/>
@@ -3123,21 +3108,6 @@
                 <a:ea typeface="Amazon Ember" panose="020B0603020204020204" pitchFamily="34" charset="0"/>
                 <a:cs typeface="Arial" panose="020B0604020202020204" pitchFamily="34" charset="0"/>
               </a:rPr>
-              <a:t>or witness  </a:t>
-            </a:r>
-            <a:br>
-              <a:rPr lang="en-US" altLang="en-US" sz="1100" dirty="0">
-                <a:latin typeface="+mn-lt"/>
-                <a:ea typeface="Amazon Ember" panose="020B0603020204020204" pitchFamily="34" charset="0"/>
-                <a:cs typeface="Arial" panose="020B0604020202020204" pitchFamily="34" charset="0"/>
-              </a:rPr>
-            </a:br>
-            <a:r>
-              <a:rPr lang="en-US" altLang="en-US" sz="1100" dirty="0">
-                <a:latin typeface="+mn-lt"/>
-                <a:ea typeface="Amazon Ember" panose="020B0603020204020204" pitchFamily="34" charset="0"/>
-                <a:cs typeface="Arial" panose="020B0604020202020204" pitchFamily="34" charset="0"/>
-              </a:rPr>
               <a:t>network interface</a:t>
             </a:r>
           </a:p>
@@ -3172,7 +3142,7 @@
         </p:blipFill>
         <p:spPr bwMode="auto">
           <a:xfrm>
-            <a:off x="9458139" y="4084157"/>
+            <a:off x="9458139" y="4112438"/>
             <a:ext cx="457200" cy="457200"/>
           </a:xfrm>
           <a:prstGeom prst="rect">
@@ -3219,7 +3189,7 @@
         </p:nvSpPr>
         <p:spPr bwMode="auto">
           <a:xfrm>
-            <a:off x="8378755" y="5645475"/>
+            <a:off x="8378755" y="5541778"/>
             <a:ext cx="1581779" cy="430887"/>
           </a:xfrm>
           <a:prstGeom prst="rect">
@@ -3408,7 +3378,7 @@
         </p:blipFill>
         <p:spPr bwMode="auto">
           <a:xfrm>
-            <a:off x="8941044" y="5205542"/>
+            <a:off x="8941044" y="5101845"/>
             <a:ext cx="457200" cy="457200"/>
           </a:xfrm>
           <a:prstGeom prst="rect">
@@ -3468,7 +3438,7 @@
         </p:blipFill>
         <p:spPr bwMode="auto">
           <a:xfrm>
-            <a:off x="8333195" y="4084157"/>
+            <a:off x="8333195" y="4112438"/>
             <a:ext cx="457200" cy="457200"/>
           </a:xfrm>
           <a:prstGeom prst="rect">
@@ -3790,8 +3760,8 @@
         </p:nvSpPr>
         <p:spPr>
           <a:xfrm>
-            <a:off x="5137694" y="4505227"/>
-            <a:ext cx="1085967" cy="430887"/>
+            <a:off x="5048054" y="4533508"/>
+            <a:ext cx="1274729" cy="430887"/>
           </a:xfrm>
           <a:prstGeom prst="rect">
             <a:avLst/>
@@ -3809,7 +3779,7 @@
               <a:rPr lang="en-US" sz="1100" dirty="0">
                 <a:cs typeface="Arial" panose="020B0604020202020204" pitchFamily="34" charset="0"/>
               </a:rPr>
-              <a:t>StarWind witness node</a:t>
+              <a:t>StarWind VSAN witness node</a:t>
             </a:r>
           </a:p>
         </p:txBody>
@@ -3830,8 +3800,8 @@
         </p:nvSpPr>
         <p:spPr bwMode="auto">
           <a:xfrm>
-            <a:off x="6060171" y="4506814"/>
-            <a:ext cx="1507158" cy="600164"/>
+            <a:off x="6060171" y="4535095"/>
+            <a:ext cx="1507158" cy="430887"/>
           </a:xfrm>
           <a:prstGeom prst="rect">
             <a:avLst/>
@@ -3985,21 +3955,6 @@
                 <a:ea typeface="Amazon Ember" panose="020B0603020204020204" pitchFamily="34" charset="0"/>
                 <a:cs typeface="Arial" panose="020B0604020202020204" pitchFamily="34" charset="0"/>
               </a:rPr>
-              <a:t>or witness  </a:t>
-            </a:r>
-            <a:br>
-              <a:rPr lang="en-US" altLang="en-US" sz="1100" dirty="0">
-                <a:latin typeface="+mn-lt"/>
-                <a:ea typeface="Amazon Ember" panose="020B0603020204020204" pitchFamily="34" charset="0"/>
-                <a:cs typeface="Arial" panose="020B0604020202020204" pitchFamily="34" charset="0"/>
-              </a:rPr>
-            </a:br>
-            <a:r>
-              <a:rPr lang="en-US" altLang="en-US" sz="1100" dirty="0">
-                <a:latin typeface="+mn-lt"/>
-                <a:ea typeface="Amazon Ember" panose="020B0603020204020204" pitchFamily="34" charset="0"/>
-                <a:cs typeface="Arial" panose="020B0604020202020204" pitchFamily="34" charset="0"/>
-              </a:rPr>
               <a:t>network interface</a:t>
             </a:r>
           </a:p>
@@ -4034,7 +3989,7 @@
         </p:blipFill>
         <p:spPr bwMode="auto">
           <a:xfrm>
-            <a:off x="6585150" y="4084157"/>
+            <a:off x="6585150" y="4112438"/>
             <a:ext cx="457200" cy="457200"/>
           </a:xfrm>
           <a:prstGeom prst="rect">
@@ -4094,7 +4049,7 @@
         </p:blipFill>
         <p:spPr bwMode="auto">
           <a:xfrm>
-            <a:off x="5460206" y="4084157"/>
+            <a:off x="5460206" y="4112438"/>
             <a:ext cx="457200" cy="457200"/>
           </a:xfrm>
           <a:prstGeom prst="rect">
@@ -4143,7 +4098,7 @@
         </p:nvCxnSpPr>
         <p:spPr>
           <a:xfrm>
-            <a:off x="2345203" y="5434142"/>
+            <a:off x="2345203" y="5330445"/>
             <a:ext cx="6595841" cy="0"/>
           </a:xfrm>
           <a:prstGeom prst="straightConnector1">
@@ -4190,7 +4145,7 @@
         </p:nvCxnSpPr>
         <p:spPr>
           <a:xfrm>
-            <a:off x="2829193" y="4312757"/>
+            <a:off x="2829193" y="4341038"/>
             <a:ext cx="2631013" cy="0"/>
           </a:xfrm>
           <a:prstGeom prst="straightConnector1">
@@ -4237,7 +4192,7 @@
         </p:nvCxnSpPr>
         <p:spPr>
           <a:xfrm>
-            <a:off x="7042350" y="4312757"/>
+            <a:off x="7042350" y="4341038"/>
             <a:ext cx="1290845" cy="0"/>
           </a:xfrm>
           <a:prstGeom prst="straightConnector1">
